--- a/doc/01 战略/PSI技术战略.pptx
+++ b/doc/01 战略/PSI技术战略.pptx
@@ -5,11 +5,14 @@
     <p:sldMasterId id="2147483828" r:id="rId1"/>
   </p:sldMasterIdLst>
   <p:notesMasterIdLst>
-    <p:notesMasterId r:id="rId4"/>
+    <p:notesMasterId r:id="rId7"/>
   </p:notesMasterIdLst>
   <p:sldIdLst>
     <p:sldId id="256" r:id="rId2"/>
     <p:sldId id="257" r:id="rId3"/>
+    <p:sldId id="258" r:id="rId4"/>
+    <p:sldId id="259" r:id="rId5"/>
+    <p:sldId id="260" r:id="rId6"/>
   </p:sldIdLst>
   <p:sldSz cx="9144000" cy="6858000" type="screen4x3"/>
   <p:notesSz cx="6858000" cy="9144000"/>
@@ -5119,11 +5122,7 @@
             </a:r>
             <a:r>
               <a:rPr lang="zh-CN" altLang="en-US" dirty="0" smtClean="0"/>
-              <a:t>技术</a:t>
-            </a:r>
-            <a:r>
-              <a:rPr lang="zh-CN" altLang="en-US" dirty="0" smtClean="0"/>
-              <a:t>战略</a:t>
+              <a:t>技术战略</a:t>
             </a:r>
             <a:endParaRPr lang="zh-CN" altLang="en-US" dirty="0"/>
           </a:p>
@@ -5207,15 +5206,7 @@
                   <a:srgbClr val="C00000"/>
                 </a:solidFill>
               </a:rPr>
-              <a:t>PSI – </a:t>
-            </a:r>
-            <a:r>
-              <a:rPr lang="en-US" altLang="zh-CN" b="1" dirty="0" smtClean="0">
-                <a:solidFill>
-                  <a:srgbClr val="C00000"/>
-                </a:solidFill>
-              </a:rPr>
-              <a:t>P</a:t>
+              <a:t>PSI – P</a:t>
             </a:r>
             <a:r>
               <a:rPr lang="en-US" altLang="zh-CN" dirty="0" smtClean="0"/>
@@ -5245,7 +5236,6 @@
               <a:rPr lang="en-US" dirty="0" smtClean="0"/>
               <a:t>nternal </a:t>
             </a:r>
-            <a:endParaRPr lang="en-US" dirty="0" smtClean="0"/>
           </a:p>
           <a:p>
             <a:pPr>
@@ -5402,6 +5392,10 @@
                     <a:bodyPr/>
                     <a:lstStyle/>
                     <a:p>
+                      <a:r>
+                        <a:rPr lang="zh-CN" altLang="en-US" dirty="0" smtClean="0"/>
+                        <a:t>不做过度设计、不采用超前技术</a:t>
+                      </a:r>
                       <a:endParaRPr lang="zh-CN" altLang="en-US" dirty="0"/>
                     </a:p>
                   </a:txBody>
@@ -5633,6 +5627,1072 @@
           </a:p>
         </p:txBody>
       </p:sp>
+    </p:spTree>
+  </p:cSld>
+  <p:clrMapOvr>
+    <a:masterClrMapping/>
+  </p:clrMapOvr>
+  <p:timing>
+    <p:tnLst>
+      <p:par>
+        <p:cTn id="1" dur="indefinite" restart="never" nodeType="tmRoot"/>
+      </p:par>
+    </p:tnLst>
+  </p:timing>
+</p:sld>
+</file>
+
+<file path=ppt/slides/slide3.xml><?xml version="1.0" encoding="utf-8"?>
+<p:sld xmlns:a="http://schemas.openxmlformats.org/drawingml/2006/main" xmlns:r="http://schemas.openxmlformats.org/officeDocument/2006/relationships" xmlns:p="http://schemas.openxmlformats.org/presentationml/2006/main">
+  <p:cSld>
+    <p:spTree>
+      <p:nvGrpSpPr>
+        <p:cNvPr id="1" name=""/>
+        <p:cNvGrpSpPr/>
+        <p:nvPr/>
+      </p:nvGrpSpPr>
+      <p:grpSpPr>
+        <a:xfrm>
+          <a:off x="0" y="0"/>
+          <a:ext cx="0" cy="0"/>
+          <a:chOff x="0" y="0"/>
+          <a:chExt cx="0" cy="0"/>
+        </a:xfrm>
+      </p:grpSpPr>
+      <p:sp>
+        <p:nvSpPr>
+          <p:cNvPr id="2" name="内容占位符 1"/>
+          <p:cNvSpPr>
+            <a:spLocks noGrp="1"/>
+          </p:cNvSpPr>
+          <p:nvPr>
+            <p:ph idx="1"/>
+          </p:nvPr>
+        </p:nvSpPr>
+        <p:spPr/>
+        <p:txBody>
+          <a:bodyPr/>
+          <a:lstStyle/>
+          <a:p>
+            <a:pPr>
+              <a:buNone/>
+            </a:pPr>
+            <a:r>
+              <a:rPr lang="en-US" altLang="zh-CN" b="1" dirty="0" smtClean="0">
+                <a:solidFill>
+                  <a:srgbClr val="C00000"/>
+                </a:solidFill>
+              </a:rPr>
+              <a:t>PSI – P</a:t>
+            </a:r>
+            <a:r>
+              <a:rPr lang="en-US" altLang="zh-CN" dirty="0" smtClean="0"/>
+              <a:t>ragmatic, </a:t>
+            </a:r>
+            <a:r>
+              <a:rPr lang="en-US" altLang="zh-CN" b="1" dirty="0" smtClean="0">
+                <a:solidFill>
+                  <a:srgbClr val="C00000"/>
+                </a:solidFill>
+              </a:rPr>
+              <a:t>S</a:t>
+            </a:r>
+            <a:r>
+              <a:rPr lang="en-US" altLang="zh-CN" dirty="0" smtClean="0"/>
+              <a:t>imple, </a:t>
+            </a:r>
+            <a:r>
+              <a:rPr lang="en-US" b="1" dirty="0" smtClean="0">
+                <a:solidFill>
+                  <a:srgbClr val="C00000"/>
+                </a:solidFill>
+              </a:rPr>
+              <a:t>I</a:t>
+            </a:r>
+            <a:r>
+              <a:rPr lang="en-US" dirty="0" smtClean="0"/>
+              <a:t>nternal</a:t>
+            </a:r>
+            <a:endParaRPr lang="zh-CN" altLang="en-US" dirty="0"/>
+          </a:p>
+        </p:txBody>
+      </p:sp>
+      <p:sp>
+        <p:nvSpPr>
+          <p:cNvPr id="3" name="页脚占位符 2"/>
+          <p:cNvSpPr>
+            <a:spLocks noGrp="1"/>
+          </p:cNvSpPr>
+          <p:nvPr>
+            <p:ph type="ftr" sz="quarter" idx="11"/>
+          </p:nvPr>
+        </p:nvSpPr>
+        <p:spPr/>
+        <p:txBody>
+          <a:bodyPr/>
+          <a:lstStyle/>
+          <a:p>
+            <a:r>
+              <a:rPr lang="zh-CN" altLang="en-US" smtClean="0"/>
+              <a:t>艾格林门信息服务（大连）有限公司</a:t>
+            </a:r>
+            <a:endParaRPr lang="zh-CN" altLang="en-US"/>
+          </a:p>
+        </p:txBody>
+      </p:sp>
+      <p:sp>
+        <p:nvSpPr>
+          <p:cNvPr id="4" name="灯片编号占位符 3"/>
+          <p:cNvSpPr>
+            <a:spLocks noGrp="1"/>
+          </p:cNvSpPr>
+          <p:nvPr>
+            <p:ph type="sldNum" sz="quarter" idx="12"/>
+          </p:nvPr>
+        </p:nvSpPr>
+        <p:spPr/>
+        <p:txBody>
+          <a:bodyPr/>
+          <a:lstStyle/>
+          <a:p>
+            <a:fld id="{5B0C748D-342E-484C-99EF-D2112307895F}" type="slidenum">
+              <a:rPr lang="zh-CN" altLang="en-US" smtClean="0"/>
+              <a:pPr/>
+              <a:t>3</a:t>
+            </a:fld>
+            <a:endParaRPr lang="zh-CN" altLang="en-US"/>
+          </a:p>
+        </p:txBody>
+      </p:sp>
+      <p:sp>
+        <p:nvSpPr>
+          <p:cNvPr id="5" name="标题 4"/>
+          <p:cNvSpPr>
+            <a:spLocks noGrp="1"/>
+          </p:cNvSpPr>
+          <p:nvPr>
+            <p:ph type="title"/>
+          </p:nvPr>
+        </p:nvSpPr>
+        <p:spPr/>
+        <p:txBody>
+          <a:bodyPr/>
+          <a:lstStyle/>
+          <a:p>
+            <a:r>
+              <a:rPr lang="en-US" altLang="zh-CN" dirty="0" smtClean="0">
+                <a:solidFill>
+                  <a:srgbClr val="C00000"/>
+                </a:solidFill>
+              </a:rPr>
+              <a:t>P</a:t>
+            </a:r>
+            <a:r>
+              <a:rPr lang="en-US" altLang="zh-CN" dirty="0" smtClean="0"/>
+              <a:t>ragmatic – </a:t>
+            </a:r>
+            <a:r>
+              <a:rPr lang="zh-CN" altLang="en-US" dirty="0" smtClean="0"/>
+              <a:t>实用主义的</a:t>
+            </a:r>
+            <a:endParaRPr lang="zh-CN" altLang="en-US" dirty="0"/>
+          </a:p>
+        </p:txBody>
+      </p:sp>
+      <p:graphicFrame>
+        <p:nvGraphicFramePr>
+          <p:cNvPr id="6" name="表格 5"/>
+          <p:cNvGraphicFramePr>
+            <a:graphicFrameLocks noGrp="1"/>
+          </p:cNvGraphicFramePr>
+          <p:nvPr/>
+        </p:nvGraphicFramePr>
+        <p:xfrm>
+          <a:off x="762016" y="2115816"/>
+          <a:ext cx="6096000" cy="1483360"/>
+        </p:xfrm>
+        <a:graphic>
+          <a:graphicData uri="http://schemas.openxmlformats.org/drawingml/2006/table">
+            <a:tbl>
+              <a:tblPr firstRow="1" bandRow="1">
+                <a:tableStyleId>{5C22544A-7EE6-4342-B048-85BDC9FD1C3A}</a:tableStyleId>
+              </a:tblPr>
+              <a:tblGrid>
+                <a:gridCol w="1881158"/>
+                <a:gridCol w="4214842"/>
+              </a:tblGrid>
+              <a:tr h="370840">
+                <a:tc>
+                  <a:txBody>
+                    <a:bodyPr/>
+                    <a:lstStyle/>
+                    <a:p>
+                      <a:pPr algn="ctr"/>
+                      <a:r>
+                        <a:rPr lang="zh-CN" altLang="en-US" dirty="0" smtClean="0"/>
+                        <a:t>技术</a:t>
+                      </a:r>
+                      <a:endParaRPr lang="zh-CN" altLang="en-US" dirty="0"/>
+                    </a:p>
+                  </a:txBody>
+                  <a:tcPr/>
+                </a:tc>
+                <a:tc>
+                  <a:txBody>
+                    <a:bodyPr/>
+                    <a:lstStyle/>
+                    <a:p>
+                      <a:endParaRPr lang="zh-CN" altLang="en-US"/>
+                    </a:p>
+                  </a:txBody>
+                  <a:tcPr/>
+                </a:tc>
+              </a:tr>
+              <a:tr h="370840">
+                <a:tc>
+                  <a:txBody>
+                    <a:bodyPr/>
+                    <a:lstStyle/>
+                    <a:p>
+                      <a:pPr algn="ctr"/>
+                      <a:r>
+                        <a:rPr lang="en-US" altLang="zh-CN" dirty="0" smtClean="0"/>
+                        <a:t>PHP</a:t>
+                      </a:r>
+                      <a:endParaRPr lang="zh-CN" altLang="en-US" dirty="0"/>
+                    </a:p>
+                  </a:txBody>
+                  <a:tcPr anchor="ctr"/>
+                </a:tc>
+                <a:tc>
+                  <a:txBody>
+                    <a:bodyPr/>
+                    <a:lstStyle/>
+                    <a:p>
+                      <a:endParaRPr lang="zh-CN" altLang="en-US" dirty="0"/>
+                    </a:p>
+                  </a:txBody>
+                  <a:tcPr/>
+                </a:tc>
+              </a:tr>
+              <a:tr h="370840">
+                <a:tc>
+                  <a:txBody>
+                    <a:bodyPr/>
+                    <a:lstStyle/>
+                    <a:p>
+                      <a:pPr algn="ctr"/>
+                      <a:r>
+                        <a:rPr lang="en-US" altLang="zh-CN" dirty="0" smtClean="0"/>
+                        <a:t>JavaScript</a:t>
+                      </a:r>
+                      <a:endParaRPr lang="zh-CN" altLang="en-US" dirty="0"/>
+                    </a:p>
+                  </a:txBody>
+                  <a:tcPr anchor="ctr"/>
+                </a:tc>
+                <a:tc>
+                  <a:txBody>
+                    <a:bodyPr/>
+                    <a:lstStyle/>
+                    <a:p>
+                      <a:endParaRPr lang="zh-CN" altLang="en-US" dirty="0"/>
+                    </a:p>
+                  </a:txBody>
+                  <a:tcPr/>
+                </a:tc>
+              </a:tr>
+              <a:tr h="370840">
+                <a:tc>
+                  <a:txBody>
+                    <a:bodyPr/>
+                    <a:lstStyle/>
+                    <a:p>
+                      <a:pPr algn="ctr"/>
+                      <a:r>
+                        <a:rPr lang="en-US" altLang="zh-CN" dirty="0" err="1" smtClean="0"/>
+                        <a:t>MySQL</a:t>
+                      </a:r>
+                      <a:endParaRPr lang="zh-CN" altLang="en-US" dirty="0"/>
+                    </a:p>
+                  </a:txBody>
+                  <a:tcPr anchor="ctr"/>
+                </a:tc>
+                <a:tc>
+                  <a:txBody>
+                    <a:bodyPr/>
+                    <a:lstStyle/>
+                    <a:p>
+                      <a:r>
+                        <a:rPr lang="zh-CN" altLang="en-US" dirty="0" smtClean="0"/>
+                        <a:t>直接使用</a:t>
+                      </a:r>
+                      <a:r>
+                        <a:rPr lang="en-US" altLang="zh-CN" dirty="0" err="1" smtClean="0"/>
+                        <a:t>MySQL</a:t>
+                      </a:r>
+                      <a:r>
+                        <a:rPr lang="zh-CN" altLang="en-US" dirty="0" smtClean="0"/>
+                        <a:t>原生语法，不采用</a:t>
+                      </a:r>
+                      <a:r>
+                        <a:rPr lang="en-US" altLang="zh-CN" dirty="0" smtClean="0"/>
+                        <a:t>ORM</a:t>
+                      </a:r>
+                      <a:endParaRPr lang="zh-CN" altLang="en-US" dirty="0"/>
+                    </a:p>
+                  </a:txBody>
+                  <a:tcPr/>
+                </a:tc>
+              </a:tr>
+            </a:tbl>
+          </a:graphicData>
+        </a:graphic>
+      </p:graphicFrame>
+    </p:spTree>
+  </p:cSld>
+  <p:clrMapOvr>
+    <a:masterClrMapping/>
+  </p:clrMapOvr>
+  <p:timing>
+    <p:tnLst>
+      <p:par>
+        <p:cTn id="1" dur="indefinite" restart="never" nodeType="tmRoot"/>
+      </p:par>
+    </p:tnLst>
+  </p:timing>
+</p:sld>
+</file>
+
+<file path=ppt/slides/slide4.xml><?xml version="1.0" encoding="utf-8"?>
+<p:sld xmlns:a="http://schemas.openxmlformats.org/drawingml/2006/main" xmlns:r="http://schemas.openxmlformats.org/officeDocument/2006/relationships" xmlns:p="http://schemas.openxmlformats.org/presentationml/2006/main">
+  <p:cSld>
+    <p:spTree>
+      <p:nvGrpSpPr>
+        <p:cNvPr id="1" name=""/>
+        <p:cNvGrpSpPr/>
+        <p:nvPr/>
+      </p:nvGrpSpPr>
+      <p:grpSpPr>
+        <a:xfrm>
+          <a:off x="0" y="0"/>
+          <a:ext cx="0" cy="0"/>
+          <a:chOff x="0" y="0"/>
+          <a:chExt cx="0" cy="0"/>
+        </a:xfrm>
+      </p:grpSpPr>
+      <p:sp>
+        <p:nvSpPr>
+          <p:cNvPr id="2" name="内容占位符 1"/>
+          <p:cNvSpPr>
+            <a:spLocks noGrp="1"/>
+          </p:cNvSpPr>
+          <p:nvPr>
+            <p:ph idx="1"/>
+          </p:nvPr>
+        </p:nvSpPr>
+        <p:spPr/>
+        <p:txBody>
+          <a:bodyPr/>
+          <a:lstStyle/>
+          <a:p>
+            <a:pPr>
+              <a:buNone/>
+            </a:pPr>
+            <a:r>
+              <a:rPr lang="en-US" altLang="zh-CN" b="1" dirty="0" smtClean="0">
+                <a:solidFill>
+                  <a:srgbClr val="C00000"/>
+                </a:solidFill>
+              </a:rPr>
+              <a:t>PSI – P</a:t>
+            </a:r>
+            <a:r>
+              <a:rPr lang="en-US" altLang="zh-CN" dirty="0" smtClean="0"/>
+              <a:t>ragmatic, </a:t>
+            </a:r>
+            <a:r>
+              <a:rPr lang="en-US" altLang="zh-CN" b="1" dirty="0" smtClean="0">
+                <a:solidFill>
+                  <a:srgbClr val="C00000"/>
+                </a:solidFill>
+              </a:rPr>
+              <a:t>S</a:t>
+            </a:r>
+            <a:r>
+              <a:rPr lang="en-US" altLang="zh-CN" dirty="0" smtClean="0"/>
+              <a:t>imple, </a:t>
+            </a:r>
+            <a:r>
+              <a:rPr lang="en-US" b="1" dirty="0" smtClean="0">
+                <a:solidFill>
+                  <a:srgbClr val="C00000"/>
+                </a:solidFill>
+              </a:rPr>
+              <a:t>I</a:t>
+            </a:r>
+            <a:r>
+              <a:rPr lang="en-US" dirty="0" smtClean="0"/>
+              <a:t>nternal</a:t>
+            </a:r>
+            <a:endParaRPr lang="zh-CN" altLang="en-US" dirty="0"/>
+          </a:p>
+        </p:txBody>
+      </p:sp>
+      <p:sp>
+        <p:nvSpPr>
+          <p:cNvPr id="3" name="页脚占位符 2"/>
+          <p:cNvSpPr>
+            <a:spLocks noGrp="1"/>
+          </p:cNvSpPr>
+          <p:nvPr>
+            <p:ph type="ftr" sz="quarter" idx="11"/>
+          </p:nvPr>
+        </p:nvSpPr>
+        <p:spPr/>
+        <p:txBody>
+          <a:bodyPr/>
+          <a:lstStyle/>
+          <a:p>
+            <a:r>
+              <a:rPr lang="zh-CN" altLang="en-US" smtClean="0"/>
+              <a:t>艾格林门信息服务（大连）有限公司</a:t>
+            </a:r>
+            <a:endParaRPr lang="zh-CN" altLang="en-US"/>
+          </a:p>
+        </p:txBody>
+      </p:sp>
+      <p:sp>
+        <p:nvSpPr>
+          <p:cNvPr id="4" name="灯片编号占位符 3"/>
+          <p:cNvSpPr>
+            <a:spLocks noGrp="1"/>
+          </p:cNvSpPr>
+          <p:nvPr>
+            <p:ph type="sldNum" sz="quarter" idx="12"/>
+          </p:nvPr>
+        </p:nvSpPr>
+        <p:spPr/>
+        <p:txBody>
+          <a:bodyPr/>
+          <a:lstStyle/>
+          <a:p>
+            <a:fld id="{5B0C748D-342E-484C-99EF-D2112307895F}" type="slidenum">
+              <a:rPr lang="zh-CN" altLang="en-US" smtClean="0"/>
+              <a:pPr/>
+              <a:t>4</a:t>
+            </a:fld>
+            <a:endParaRPr lang="zh-CN" altLang="en-US"/>
+          </a:p>
+        </p:txBody>
+      </p:sp>
+      <p:sp>
+        <p:nvSpPr>
+          <p:cNvPr id="5" name="标题 4"/>
+          <p:cNvSpPr>
+            <a:spLocks noGrp="1"/>
+          </p:cNvSpPr>
+          <p:nvPr>
+            <p:ph type="title"/>
+          </p:nvPr>
+        </p:nvSpPr>
+        <p:spPr/>
+        <p:txBody>
+          <a:bodyPr/>
+          <a:lstStyle/>
+          <a:p>
+            <a:r>
+              <a:rPr lang="en-US" altLang="zh-CN" dirty="0" smtClean="0">
+                <a:solidFill>
+                  <a:srgbClr val="C00000"/>
+                </a:solidFill>
+              </a:rPr>
+              <a:t>S</a:t>
+            </a:r>
+            <a:r>
+              <a:rPr lang="en-US" altLang="zh-CN" dirty="0" smtClean="0"/>
+              <a:t>imple</a:t>
+            </a:r>
+            <a:r>
+              <a:rPr lang="en-US" altLang="zh-CN" dirty="0" smtClean="0"/>
+              <a:t> – </a:t>
+            </a:r>
+            <a:r>
+              <a:rPr lang="zh-CN" altLang="en-US" dirty="0" smtClean="0"/>
+              <a:t>简单的</a:t>
+            </a:r>
+            <a:endParaRPr lang="zh-CN" altLang="en-US" dirty="0"/>
+          </a:p>
+        </p:txBody>
+      </p:sp>
+      <p:graphicFrame>
+        <p:nvGraphicFramePr>
+          <p:cNvPr id="6" name="表格 5"/>
+          <p:cNvGraphicFramePr>
+            <a:graphicFrameLocks noGrp="1"/>
+          </p:cNvGraphicFramePr>
+          <p:nvPr/>
+        </p:nvGraphicFramePr>
+        <p:xfrm>
+          <a:off x="762016" y="2115816"/>
+          <a:ext cx="6096000" cy="2296160"/>
+        </p:xfrm>
+        <a:graphic>
+          <a:graphicData uri="http://schemas.openxmlformats.org/drawingml/2006/table">
+            <a:tbl>
+              <a:tblPr firstRow="1" bandRow="1">
+                <a:tableStyleId>{5C22544A-7EE6-4342-B048-85BDC9FD1C3A}</a:tableStyleId>
+              </a:tblPr>
+              <a:tblGrid>
+                <a:gridCol w="1881158"/>
+                <a:gridCol w="4214842"/>
+              </a:tblGrid>
+              <a:tr h="370840">
+                <a:tc>
+                  <a:txBody>
+                    <a:bodyPr/>
+                    <a:lstStyle/>
+                    <a:p>
+                      <a:pPr algn="ctr"/>
+                      <a:r>
+                        <a:rPr lang="zh-CN" altLang="en-US" dirty="0" smtClean="0"/>
+                        <a:t>技术</a:t>
+                      </a:r>
+                      <a:endParaRPr lang="zh-CN" altLang="en-US" dirty="0"/>
+                    </a:p>
+                  </a:txBody>
+                  <a:tcPr/>
+                </a:tc>
+                <a:tc>
+                  <a:txBody>
+                    <a:bodyPr/>
+                    <a:lstStyle/>
+                    <a:p>
+                      <a:endParaRPr lang="zh-CN" altLang="en-US"/>
+                    </a:p>
+                  </a:txBody>
+                  <a:tcPr/>
+                </a:tc>
+              </a:tr>
+              <a:tr h="370840">
+                <a:tc>
+                  <a:txBody>
+                    <a:bodyPr/>
+                    <a:lstStyle/>
+                    <a:p>
+                      <a:pPr algn="ctr"/>
+                      <a:r>
+                        <a:rPr lang="en-US" altLang="zh-CN" dirty="0" smtClean="0"/>
+                        <a:t>PHP</a:t>
+                      </a:r>
+                      <a:endParaRPr lang="zh-CN" altLang="en-US" dirty="0"/>
+                    </a:p>
+                  </a:txBody>
+                  <a:tcPr anchor="ctr"/>
+                </a:tc>
+                <a:tc>
+                  <a:txBody>
+                    <a:bodyPr/>
+                    <a:lstStyle/>
+                    <a:p>
+                      <a:r>
+                        <a:rPr lang="zh-CN" altLang="en-US" dirty="0" smtClean="0"/>
+                        <a:t>标准</a:t>
+                      </a:r>
+                      <a:r>
+                        <a:rPr lang="en-US" altLang="zh-CN" dirty="0" err="1" smtClean="0"/>
+                        <a:t>MVC+Service+DAO</a:t>
+                      </a:r>
+                      <a:endParaRPr lang="zh-CN" altLang="en-US" dirty="0"/>
+                    </a:p>
+                  </a:txBody>
+                  <a:tcPr/>
+                </a:tc>
+              </a:tr>
+              <a:tr h="370840">
+                <a:tc>
+                  <a:txBody>
+                    <a:bodyPr/>
+                    <a:lstStyle/>
+                    <a:p>
+                      <a:pPr algn="ctr"/>
+                      <a:r>
+                        <a:rPr lang="en-US" altLang="zh-CN" dirty="0" smtClean="0"/>
+                        <a:t>JavaScript</a:t>
+                      </a:r>
+                      <a:endParaRPr lang="zh-CN" altLang="en-US" dirty="0"/>
+                    </a:p>
+                  </a:txBody>
+                  <a:tcPr anchor="ctr"/>
+                </a:tc>
+                <a:tc>
+                  <a:txBody>
+                    <a:bodyPr/>
+                    <a:lstStyle/>
+                    <a:p>
+                      <a:r>
+                        <a:rPr lang="en-US" altLang="zh-CN" dirty="0" err="1" smtClean="0"/>
+                        <a:t>ExtJS</a:t>
+                      </a:r>
+                      <a:r>
+                        <a:rPr lang="zh-CN" altLang="en-US" dirty="0" smtClean="0"/>
+                        <a:t>入门需要一定的时间，现有的代码是极好的学习范例</a:t>
+                      </a:r>
+                      <a:endParaRPr lang="zh-CN" altLang="en-US" dirty="0"/>
+                    </a:p>
+                  </a:txBody>
+                  <a:tcPr/>
+                </a:tc>
+              </a:tr>
+              <a:tr h="370840">
+                <a:tc>
+                  <a:txBody>
+                    <a:bodyPr/>
+                    <a:lstStyle/>
+                    <a:p>
+                      <a:pPr algn="ctr"/>
+                      <a:r>
+                        <a:rPr lang="en-US" altLang="zh-CN" dirty="0" err="1" smtClean="0"/>
+                        <a:t>MySQL</a:t>
+                      </a:r>
+                      <a:endParaRPr lang="zh-CN" altLang="en-US" dirty="0"/>
+                    </a:p>
+                  </a:txBody>
+                  <a:tcPr anchor="ctr"/>
+                </a:tc>
+                <a:tc>
+                  <a:txBody>
+                    <a:bodyPr/>
+                    <a:lstStyle/>
+                    <a:p>
+                      <a:r>
+                        <a:rPr lang="zh-CN" altLang="en-US" dirty="0" smtClean="0"/>
+                        <a:t>数据库设计是和</a:t>
+                      </a:r>
+                      <a:r>
+                        <a:rPr lang="en-US" altLang="zh-CN" dirty="0" smtClean="0"/>
+                        <a:t>ERP</a:t>
+                      </a:r>
+                      <a:r>
+                        <a:rPr lang="zh-CN" altLang="en-US" dirty="0" smtClean="0"/>
+                        <a:t>业务相关的，因为</a:t>
+                      </a:r>
+                      <a:r>
+                        <a:rPr lang="en-US" altLang="zh-CN" dirty="0" smtClean="0"/>
+                        <a:t>ERP</a:t>
+                      </a:r>
+                      <a:r>
+                        <a:rPr lang="zh-CN" altLang="en-US" dirty="0" smtClean="0"/>
+                        <a:t>业务本身的复杂性导致了这部分具有天然的高复杂度</a:t>
+                      </a:r>
+                      <a:endParaRPr lang="zh-CN" altLang="en-US" dirty="0"/>
+                    </a:p>
+                  </a:txBody>
+                  <a:tcPr/>
+                </a:tc>
+              </a:tr>
+            </a:tbl>
+          </a:graphicData>
+        </a:graphic>
+      </p:graphicFrame>
+      <p:sp>
+        <p:nvSpPr>
+          <p:cNvPr id="7" name="TextBox 6"/>
+          <p:cNvSpPr txBox="1"/>
+          <p:nvPr/>
+        </p:nvSpPr>
+        <p:spPr>
+          <a:xfrm>
+            <a:off x="785786" y="4643446"/>
+            <a:ext cx="7786742" cy="646331"/>
+          </a:xfrm>
+          <a:prstGeom prst="rect">
+            <a:avLst/>
+          </a:prstGeom>
+          <a:noFill/>
+        </p:spPr>
+        <p:txBody>
+          <a:bodyPr wrap="square" rtlCol="0">
+            <a:spAutoFit/>
+          </a:bodyPr>
+          <a:lstStyle/>
+          <a:p>
+            <a:r>
+              <a:rPr lang="zh-CN" altLang="en-US" dirty="0" smtClean="0">
+                <a:solidFill>
+                  <a:schemeClr val="tx1">
+                    <a:lumMod val="65000"/>
+                    <a:lumOff val="35000"/>
+                  </a:schemeClr>
+                </a:solidFill>
+              </a:rPr>
+              <a:t>技术的简单性是因人而异的，这块也是对</a:t>
+            </a:r>
+            <a:r>
+              <a:rPr lang="en-US" altLang="zh-CN" dirty="0" smtClean="0">
+                <a:solidFill>
+                  <a:schemeClr val="tx1">
+                    <a:lumMod val="65000"/>
+                    <a:lumOff val="35000"/>
+                  </a:schemeClr>
+                </a:solidFill>
+              </a:rPr>
+              <a:t>PSI</a:t>
+            </a:r>
+            <a:r>
+              <a:rPr lang="zh-CN" altLang="en-US" dirty="0" smtClean="0">
+                <a:solidFill>
+                  <a:schemeClr val="tx1">
+                    <a:lumMod val="65000"/>
+                    <a:lumOff val="35000"/>
+                  </a:schemeClr>
+                </a:solidFill>
+              </a:rPr>
+              <a:t>技术战略最大的挑战，我们并不认为目前</a:t>
+            </a:r>
+            <a:r>
+              <a:rPr lang="en-US" altLang="zh-CN" dirty="0" smtClean="0">
+                <a:solidFill>
+                  <a:schemeClr val="tx1">
+                    <a:lumMod val="65000"/>
+                    <a:lumOff val="35000"/>
+                  </a:schemeClr>
+                </a:solidFill>
+              </a:rPr>
+              <a:t>PSI</a:t>
+            </a:r>
+            <a:r>
+              <a:rPr lang="zh-CN" altLang="en-US" dirty="0" smtClean="0">
+                <a:solidFill>
+                  <a:schemeClr val="tx1">
+                    <a:lumMod val="65000"/>
+                    <a:lumOff val="35000"/>
+                  </a:schemeClr>
+                </a:solidFill>
+              </a:rPr>
+              <a:t>做得足够好，还在持续改进中</a:t>
+            </a:r>
+            <a:endParaRPr lang="zh-CN" altLang="en-US" dirty="0">
+              <a:solidFill>
+                <a:schemeClr val="tx1">
+                  <a:lumMod val="65000"/>
+                  <a:lumOff val="35000"/>
+                </a:schemeClr>
+              </a:solidFill>
+            </a:endParaRPr>
+          </a:p>
+        </p:txBody>
+      </p:sp>
+    </p:spTree>
+  </p:cSld>
+  <p:clrMapOvr>
+    <a:masterClrMapping/>
+  </p:clrMapOvr>
+  <p:timing>
+    <p:tnLst>
+      <p:par>
+        <p:cTn id="1" dur="indefinite" restart="never" nodeType="tmRoot"/>
+      </p:par>
+    </p:tnLst>
+  </p:timing>
+</p:sld>
+</file>
+
+<file path=ppt/slides/slide5.xml><?xml version="1.0" encoding="utf-8"?>
+<p:sld xmlns:a="http://schemas.openxmlformats.org/drawingml/2006/main" xmlns:r="http://schemas.openxmlformats.org/officeDocument/2006/relationships" xmlns:p="http://schemas.openxmlformats.org/presentationml/2006/main">
+  <p:cSld>
+    <p:spTree>
+      <p:nvGrpSpPr>
+        <p:cNvPr id="1" name=""/>
+        <p:cNvGrpSpPr/>
+        <p:nvPr/>
+      </p:nvGrpSpPr>
+      <p:grpSpPr>
+        <a:xfrm>
+          <a:off x="0" y="0"/>
+          <a:ext cx="0" cy="0"/>
+          <a:chOff x="0" y="0"/>
+          <a:chExt cx="0" cy="0"/>
+        </a:xfrm>
+      </p:grpSpPr>
+      <p:sp>
+        <p:nvSpPr>
+          <p:cNvPr id="2" name="内容占位符 1"/>
+          <p:cNvSpPr>
+            <a:spLocks noGrp="1"/>
+          </p:cNvSpPr>
+          <p:nvPr>
+            <p:ph idx="1"/>
+          </p:nvPr>
+        </p:nvSpPr>
+        <p:spPr/>
+        <p:txBody>
+          <a:bodyPr/>
+          <a:lstStyle/>
+          <a:p>
+            <a:pPr>
+              <a:buNone/>
+            </a:pPr>
+            <a:r>
+              <a:rPr lang="en-US" altLang="zh-CN" b="1" dirty="0" smtClean="0">
+                <a:solidFill>
+                  <a:srgbClr val="C00000"/>
+                </a:solidFill>
+              </a:rPr>
+              <a:t>PSI – P</a:t>
+            </a:r>
+            <a:r>
+              <a:rPr lang="en-US" altLang="zh-CN" dirty="0" smtClean="0"/>
+              <a:t>ragmatic, </a:t>
+            </a:r>
+            <a:r>
+              <a:rPr lang="en-US" altLang="zh-CN" b="1" dirty="0" smtClean="0">
+                <a:solidFill>
+                  <a:srgbClr val="C00000"/>
+                </a:solidFill>
+              </a:rPr>
+              <a:t>S</a:t>
+            </a:r>
+            <a:r>
+              <a:rPr lang="en-US" altLang="zh-CN" dirty="0" smtClean="0"/>
+              <a:t>imple, </a:t>
+            </a:r>
+            <a:r>
+              <a:rPr lang="en-US" b="1" dirty="0" smtClean="0">
+                <a:solidFill>
+                  <a:srgbClr val="C00000"/>
+                </a:solidFill>
+              </a:rPr>
+              <a:t>I</a:t>
+            </a:r>
+            <a:r>
+              <a:rPr lang="en-US" dirty="0" smtClean="0"/>
+              <a:t>nternal</a:t>
+            </a:r>
+            <a:endParaRPr lang="zh-CN" altLang="en-US" dirty="0"/>
+          </a:p>
+        </p:txBody>
+      </p:sp>
+      <p:sp>
+        <p:nvSpPr>
+          <p:cNvPr id="3" name="页脚占位符 2"/>
+          <p:cNvSpPr>
+            <a:spLocks noGrp="1"/>
+          </p:cNvSpPr>
+          <p:nvPr>
+            <p:ph type="ftr" sz="quarter" idx="11"/>
+          </p:nvPr>
+        </p:nvSpPr>
+        <p:spPr/>
+        <p:txBody>
+          <a:bodyPr/>
+          <a:lstStyle/>
+          <a:p>
+            <a:r>
+              <a:rPr lang="zh-CN" altLang="en-US" smtClean="0"/>
+              <a:t>艾格林门信息服务（大连）有限公司</a:t>
+            </a:r>
+            <a:endParaRPr lang="zh-CN" altLang="en-US"/>
+          </a:p>
+        </p:txBody>
+      </p:sp>
+      <p:sp>
+        <p:nvSpPr>
+          <p:cNvPr id="4" name="灯片编号占位符 3"/>
+          <p:cNvSpPr>
+            <a:spLocks noGrp="1"/>
+          </p:cNvSpPr>
+          <p:nvPr>
+            <p:ph type="sldNum" sz="quarter" idx="12"/>
+          </p:nvPr>
+        </p:nvSpPr>
+        <p:spPr/>
+        <p:txBody>
+          <a:bodyPr/>
+          <a:lstStyle/>
+          <a:p>
+            <a:fld id="{5B0C748D-342E-484C-99EF-D2112307895F}" type="slidenum">
+              <a:rPr lang="zh-CN" altLang="en-US" smtClean="0"/>
+              <a:pPr/>
+              <a:t>5</a:t>
+            </a:fld>
+            <a:endParaRPr lang="zh-CN" altLang="en-US"/>
+          </a:p>
+        </p:txBody>
+      </p:sp>
+      <p:sp>
+        <p:nvSpPr>
+          <p:cNvPr id="5" name="标题 4"/>
+          <p:cNvSpPr>
+            <a:spLocks noGrp="1"/>
+          </p:cNvSpPr>
+          <p:nvPr>
+            <p:ph type="title"/>
+          </p:nvPr>
+        </p:nvSpPr>
+        <p:spPr/>
+        <p:txBody>
+          <a:bodyPr/>
+          <a:lstStyle/>
+          <a:p>
+            <a:r>
+              <a:rPr lang="en-US" dirty="0" smtClean="0">
+                <a:solidFill>
+                  <a:srgbClr val="C00000"/>
+                </a:solidFill>
+              </a:rPr>
+              <a:t>I</a:t>
+            </a:r>
+            <a:r>
+              <a:rPr lang="en-US" dirty="0" smtClean="0"/>
+              <a:t>nternal</a:t>
+            </a:r>
+            <a:r>
+              <a:rPr lang="en-US" altLang="zh-CN" dirty="0" smtClean="0"/>
+              <a:t> – </a:t>
+            </a:r>
+            <a:r>
+              <a:rPr lang="zh-CN" altLang="en-US" dirty="0" smtClean="0"/>
+              <a:t>内部的</a:t>
+            </a:r>
+            <a:endParaRPr lang="zh-CN" altLang="en-US" dirty="0"/>
+          </a:p>
+        </p:txBody>
+      </p:sp>
+      <p:graphicFrame>
+        <p:nvGraphicFramePr>
+          <p:cNvPr id="6" name="表格 5"/>
+          <p:cNvGraphicFramePr>
+            <a:graphicFrameLocks noGrp="1"/>
+          </p:cNvGraphicFramePr>
+          <p:nvPr/>
+        </p:nvGraphicFramePr>
+        <p:xfrm>
+          <a:off x="762016" y="2115816"/>
+          <a:ext cx="6096000" cy="1483360"/>
+        </p:xfrm>
+        <a:graphic>
+          <a:graphicData uri="http://schemas.openxmlformats.org/drawingml/2006/table">
+            <a:tbl>
+              <a:tblPr firstRow="1" bandRow="1">
+                <a:tableStyleId>{5C22544A-7EE6-4342-B048-85BDC9FD1C3A}</a:tableStyleId>
+              </a:tblPr>
+              <a:tblGrid>
+                <a:gridCol w="1881158"/>
+                <a:gridCol w="4214842"/>
+              </a:tblGrid>
+              <a:tr h="370840">
+                <a:tc>
+                  <a:txBody>
+                    <a:bodyPr/>
+                    <a:lstStyle/>
+                    <a:p>
+                      <a:pPr algn="ctr"/>
+                      <a:r>
+                        <a:rPr lang="zh-CN" altLang="en-US" dirty="0" smtClean="0"/>
+                        <a:t>技术</a:t>
+                      </a:r>
+                      <a:endParaRPr lang="zh-CN" altLang="en-US" dirty="0"/>
+                    </a:p>
+                  </a:txBody>
+                  <a:tcPr/>
+                </a:tc>
+                <a:tc>
+                  <a:txBody>
+                    <a:bodyPr/>
+                    <a:lstStyle/>
+                    <a:p>
+                      <a:endParaRPr lang="zh-CN" altLang="en-US"/>
+                    </a:p>
+                  </a:txBody>
+                  <a:tcPr/>
+                </a:tc>
+              </a:tr>
+              <a:tr h="370840">
+                <a:tc>
+                  <a:txBody>
+                    <a:bodyPr/>
+                    <a:lstStyle/>
+                    <a:p>
+                      <a:pPr algn="ctr"/>
+                      <a:r>
+                        <a:rPr lang="en-US" altLang="zh-CN" dirty="0" smtClean="0"/>
+                        <a:t>PHP</a:t>
+                      </a:r>
+                      <a:endParaRPr lang="zh-CN" altLang="en-US" dirty="0"/>
+                    </a:p>
+                  </a:txBody>
+                  <a:tcPr anchor="ctr"/>
+                </a:tc>
+                <a:tc>
+                  <a:txBody>
+                    <a:bodyPr/>
+                    <a:lstStyle/>
+                    <a:p>
+                      <a:endParaRPr lang="zh-CN" altLang="en-US" dirty="0"/>
+                    </a:p>
+                  </a:txBody>
+                  <a:tcPr/>
+                </a:tc>
+              </a:tr>
+              <a:tr h="370840">
+                <a:tc>
+                  <a:txBody>
+                    <a:bodyPr/>
+                    <a:lstStyle/>
+                    <a:p>
+                      <a:pPr algn="ctr"/>
+                      <a:r>
+                        <a:rPr lang="en-US" altLang="zh-CN" dirty="0" smtClean="0"/>
+                        <a:t>JavaScript</a:t>
+                      </a:r>
+                      <a:endParaRPr lang="zh-CN" altLang="en-US" dirty="0"/>
+                    </a:p>
+                  </a:txBody>
+                  <a:tcPr anchor="ctr"/>
+                </a:tc>
+                <a:tc>
+                  <a:txBody>
+                    <a:bodyPr/>
+                    <a:lstStyle/>
+                    <a:p>
+                      <a:endParaRPr lang="zh-CN" altLang="en-US" dirty="0"/>
+                    </a:p>
+                  </a:txBody>
+                  <a:tcPr/>
+                </a:tc>
+              </a:tr>
+              <a:tr h="370840">
+                <a:tc>
+                  <a:txBody>
+                    <a:bodyPr/>
+                    <a:lstStyle/>
+                    <a:p>
+                      <a:pPr algn="ctr"/>
+                      <a:r>
+                        <a:rPr lang="en-US" altLang="zh-CN" dirty="0" err="1" smtClean="0"/>
+                        <a:t>MySQL</a:t>
+                      </a:r>
+                      <a:endParaRPr lang="zh-CN" altLang="en-US" dirty="0"/>
+                    </a:p>
+                  </a:txBody>
+                  <a:tcPr anchor="ctr"/>
+                </a:tc>
+                <a:tc>
+                  <a:txBody>
+                    <a:bodyPr/>
+                    <a:lstStyle/>
+                    <a:p>
+                      <a:endParaRPr lang="zh-CN" altLang="en-US" dirty="0"/>
+                    </a:p>
+                  </a:txBody>
+                  <a:tcPr/>
+                </a:tc>
+              </a:tr>
+            </a:tbl>
+          </a:graphicData>
+        </a:graphic>
+      </p:graphicFrame>
     </p:spTree>
   </p:cSld>
   <p:clrMapOvr>

--- a/doc/01 战略/PSI技术战略.pptx
+++ b/doc/01 战略/PSI技术战略.pptx
@@ -6111,11 +6111,7 @@
             </a:r>
             <a:r>
               <a:rPr lang="en-US" altLang="zh-CN" dirty="0" smtClean="0"/>
-              <a:t>imple</a:t>
-            </a:r>
-            <a:r>
-              <a:rPr lang="en-US" altLang="zh-CN" dirty="0" smtClean="0"/>
-              <a:t> – </a:t>
+              <a:t>imple – </a:t>
             </a:r>
             <a:r>
               <a:rPr lang="zh-CN" altLang="en-US" dirty="0" smtClean="0"/>
@@ -6569,7 +6565,7 @@
         </p:nvGraphicFramePr>
         <p:xfrm>
           <a:off x="762016" y="2115816"/>
-          <a:ext cx="6096000" cy="1483360"/>
+          <a:ext cx="6096000" cy="2291080"/>
         </p:xfrm>
         <a:graphic>
           <a:graphicData uri="http://schemas.openxmlformats.org/drawingml/2006/table">
@@ -6629,6 +6625,30 @@
                     <a:bodyPr/>
                     <a:lstStyle/>
                     <a:p>
+                      <a:r>
+                        <a:rPr lang="zh-CN" altLang="en-US" dirty="0" smtClean="0"/>
+                        <a:t>采用的框架是</a:t>
+                      </a:r>
+                      <a:r>
+                        <a:rPr lang="en-US" altLang="zh-CN" dirty="0" err="1" smtClean="0"/>
+                        <a:t>ThinkPHP</a:t>
+                      </a:r>
+                      <a:r>
+                        <a:rPr lang="en-US" altLang="zh-CN" dirty="0" smtClean="0"/>
+                        <a:t> 3.2</a:t>
+                      </a:r>
+                      <a:r>
+                        <a:rPr lang="zh-CN" altLang="en-US" dirty="0" smtClean="0"/>
+                        <a:t>，这个版本</a:t>
+                      </a:r>
+                      <a:r>
+                        <a:rPr lang="en-US" altLang="zh-CN" dirty="0" err="1" smtClean="0"/>
+                        <a:t>ThinkPHP</a:t>
+                      </a:r>
+                      <a:r>
+                        <a:rPr lang="zh-CN" altLang="en-US" dirty="0" smtClean="0"/>
+                        <a:t>官方不再维护</a:t>
+                      </a:r>
                       <a:endParaRPr lang="zh-CN" altLang="en-US" dirty="0"/>
                     </a:p>
                   </a:txBody>
@@ -6656,6 +6676,22 @@
                     <a:bodyPr/>
                     <a:lstStyle/>
                     <a:p>
+                      <a:r>
+                        <a:rPr lang="zh-CN" altLang="en-US" dirty="0" smtClean="0"/>
+                        <a:t>采用的框架是</a:t>
+                      </a:r>
+                      <a:r>
+                        <a:rPr lang="en-US" altLang="zh-CN" dirty="0" err="1" smtClean="0"/>
+                        <a:t>ExtJS</a:t>
+                      </a:r>
+                      <a:r>
+                        <a:rPr lang="en-US" altLang="zh-CN" dirty="0" smtClean="0"/>
+                        <a:t> 4.2</a:t>
+                      </a:r>
+                      <a:r>
+                        <a:rPr lang="zh-CN" altLang="en-US" dirty="0" smtClean="0"/>
+                        <a:t>，这个版本原厂也不再维护</a:t>
+                      </a:r>
                       <a:endParaRPr lang="zh-CN" altLang="en-US" dirty="0"/>
                     </a:p>
                   </a:txBody>
@@ -6683,6 +6719,18 @@
                     <a:bodyPr/>
                     <a:lstStyle/>
                     <a:p>
+                      <a:r>
+                        <a:rPr lang="zh-CN" altLang="en-US" dirty="0" smtClean="0"/>
+                        <a:t>因为直接使用原生</a:t>
+                      </a:r>
+                      <a:r>
+                        <a:rPr lang="en-US" altLang="zh-CN" dirty="0" err="1" smtClean="0"/>
+                        <a:t>MySQL</a:t>
+                      </a:r>
+                      <a:r>
+                        <a:rPr lang="zh-CN" altLang="en-US" dirty="0" smtClean="0"/>
+                        <a:t>语法的原因，反而能保证支持最新版本</a:t>
+                      </a:r>
                       <a:endParaRPr lang="zh-CN" altLang="en-US" dirty="0"/>
                     </a:p>
                   </a:txBody>
@@ -6693,6 +6741,63 @@
           </a:graphicData>
         </a:graphic>
       </p:graphicFrame>
+      <p:sp>
+        <p:nvSpPr>
+          <p:cNvPr id="7" name="TextBox 6"/>
+          <p:cNvSpPr txBox="1"/>
+          <p:nvPr/>
+        </p:nvSpPr>
+        <p:spPr>
+          <a:xfrm>
+            <a:off x="714348" y="4500570"/>
+            <a:ext cx="7858180" cy="1200329"/>
+          </a:xfrm>
+          <a:prstGeom prst="rect">
+            <a:avLst/>
+          </a:prstGeom>
+          <a:noFill/>
+        </p:spPr>
+        <p:txBody>
+          <a:bodyPr wrap="square" rtlCol="0">
+            <a:spAutoFit/>
+          </a:bodyPr>
+          <a:lstStyle/>
+          <a:p>
+            <a:r>
+              <a:rPr lang="en-US" altLang="zh-CN" dirty="0" smtClean="0"/>
+              <a:t>PHP</a:t>
+            </a:r>
+            <a:r>
+              <a:rPr lang="zh-CN" altLang="en-US" dirty="0" smtClean="0"/>
+              <a:t>和</a:t>
+            </a:r>
+            <a:r>
+              <a:rPr lang="en-US" altLang="zh-CN" dirty="0" smtClean="0"/>
+              <a:t>JS</a:t>
+            </a:r>
+            <a:r>
+              <a:rPr lang="zh-CN" altLang="en-US" dirty="0" smtClean="0"/>
+              <a:t>框架使用旧的原厂不再维护的版本，是一个极其重要的技术战略。</a:t>
+            </a:r>
+            <a:endParaRPr lang="en-US" altLang="zh-CN" dirty="0" smtClean="0"/>
+          </a:p>
+          <a:p>
+            <a:r>
+              <a:rPr lang="zh-CN" altLang="en-US" dirty="0" smtClean="0"/>
+              <a:t>其维护工作转移到艾格林门内部来，这有助于完全掌握其技术实现。也把外部的知识资产变成了艾格林门的自有知识资产，并进一步通过</a:t>
+            </a:r>
+            <a:r>
+              <a:rPr lang="en-US" altLang="zh-CN" dirty="0" smtClean="0"/>
+              <a:t>PSI</a:t>
+            </a:r>
+            <a:r>
+              <a:rPr lang="zh-CN" altLang="en-US" dirty="0" smtClean="0"/>
+              <a:t>产品输出反馈给社区</a:t>
+            </a:r>
+            <a:endParaRPr lang="zh-CN" altLang="en-US" dirty="0"/>
+          </a:p>
+        </p:txBody>
+      </p:sp>
     </p:spTree>
   </p:cSld>
   <p:clrMapOvr>

--- a/doc/01 战略/PSI技术战略.pptx
+++ b/doc/01 战略/PSI技术战略.pptx
@@ -5869,6 +5869,18 @@
                     <a:bodyPr/>
                     <a:lstStyle/>
                     <a:p>
+                      <a:r>
+                        <a:rPr lang="zh-CN" altLang="en-US" dirty="0" smtClean="0"/>
+                        <a:t>跟随</a:t>
+                      </a:r>
+                      <a:r>
+                        <a:rPr lang="en-US" altLang="zh-CN" dirty="0" smtClean="0"/>
+                        <a:t>PHP</a:t>
+                      </a:r>
+                      <a:r>
+                        <a:rPr lang="zh-CN" altLang="en-US" dirty="0" smtClean="0"/>
+                        <a:t>官方的版本</a:t>
+                      </a:r>
                       <a:endParaRPr lang="zh-CN" altLang="en-US" dirty="0"/>
                     </a:p>
                   </a:txBody>
@@ -5896,6 +5908,10 @@
                     <a:bodyPr/>
                     <a:lstStyle/>
                     <a:p>
+                      <a:r>
+                        <a:rPr lang="zh-CN" altLang="en-US" dirty="0" smtClean="0"/>
+                        <a:t>跟随主流浏览器支持的版本</a:t>
+                      </a:r>
                       <a:endParaRPr lang="zh-CN" altLang="en-US" dirty="0"/>
                     </a:p>
                   </a:txBody>
@@ -5949,6 +5965,138 @@
           </a:graphicData>
         </a:graphic>
       </p:graphicFrame>
+      <p:sp>
+        <p:nvSpPr>
+          <p:cNvPr id="7" name="TextBox 6"/>
+          <p:cNvSpPr txBox="1"/>
+          <p:nvPr/>
+        </p:nvSpPr>
+        <p:spPr>
+          <a:xfrm>
+            <a:off x="785786" y="3929066"/>
+            <a:ext cx="7500990" cy="646331"/>
+          </a:xfrm>
+          <a:prstGeom prst="rect">
+            <a:avLst/>
+          </a:prstGeom>
+          <a:noFill/>
+        </p:spPr>
+        <p:txBody>
+          <a:bodyPr wrap="square" rtlCol="0">
+            <a:spAutoFit/>
+          </a:bodyPr>
+          <a:lstStyle/>
+          <a:p>
+            <a:r>
+              <a:rPr lang="zh-CN" altLang="en-US" dirty="0" smtClean="0">
+                <a:solidFill>
+                  <a:schemeClr val="tx1">
+                    <a:lumMod val="65000"/>
+                    <a:lumOff val="35000"/>
+                  </a:schemeClr>
+                </a:solidFill>
+              </a:rPr>
+              <a:t>因为</a:t>
+            </a:r>
+            <a:r>
+              <a:rPr lang="en-US" altLang="zh-CN" dirty="0" smtClean="0">
+                <a:solidFill>
+                  <a:schemeClr val="tx1">
+                    <a:lumMod val="65000"/>
+                    <a:lumOff val="35000"/>
+                  </a:schemeClr>
+                </a:solidFill>
+              </a:rPr>
+              <a:t>PSI</a:t>
+            </a:r>
+            <a:r>
+              <a:rPr lang="zh-CN" altLang="en-US" dirty="0" smtClean="0">
+                <a:solidFill>
+                  <a:schemeClr val="tx1">
+                    <a:lumMod val="65000"/>
+                    <a:lumOff val="35000"/>
+                  </a:schemeClr>
+                </a:solidFill>
+              </a:rPr>
+              <a:t>产品要能部署到云端，所以采用擅长写</a:t>
+            </a:r>
+            <a:r>
+              <a:rPr lang="en-US" altLang="zh-CN" dirty="0" smtClean="0">
+                <a:solidFill>
+                  <a:schemeClr val="tx1">
+                    <a:lumMod val="65000"/>
+                    <a:lumOff val="35000"/>
+                  </a:schemeClr>
+                </a:solidFill>
+              </a:rPr>
+              <a:t>Web</a:t>
+            </a:r>
+            <a:r>
+              <a:rPr lang="zh-CN" altLang="en-US" dirty="0" smtClean="0">
+                <a:solidFill>
+                  <a:schemeClr val="tx1">
+                    <a:lumMod val="65000"/>
+                    <a:lumOff val="35000"/>
+                  </a:schemeClr>
+                </a:solidFill>
+              </a:rPr>
+              <a:t>的</a:t>
+            </a:r>
+            <a:r>
+              <a:rPr lang="en-US" altLang="zh-CN" dirty="0" smtClean="0">
+                <a:solidFill>
+                  <a:schemeClr val="tx1">
+                    <a:lumMod val="65000"/>
+                    <a:lumOff val="35000"/>
+                  </a:schemeClr>
+                </a:solidFill>
+              </a:rPr>
+              <a:t>PHP</a:t>
+            </a:r>
+            <a:r>
+              <a:rPr lang="zh-CN" altLang="en-US" dirty="0" smtClean="0">
+                <a:solidFill>
+                  <a:schemeClr val="tx1">
+                    <a:lumMod val="65000"/>
+                    <a:lumOff val="35000"/>
+                  </a:schemeClr>
+                </a:solidFill>
+              </a:rPr>
+              <a:t>和</a:t>
+            </a:r>
+            <a:r>
+              <a:rPr lang="en-US" altLang="zh-CN" dirty="0" smtClean="0">
+                <a:solidFill>
+                  <a:schemeClr val="tx1">
+                    <a:lumMod val="65000"/>
+                    <a:lumOff val="35000"/>
+                  </a:schemeClr>
+                </a:solidFill>
+              </a:rPr>
+              <a:t>JS</a:t>
+            </a:r>
+            <a:r>
+              <a:rPr lang="zh-CN" altLang="en-US" dirty="0" smtClean="0">
+                <a:solidFill>
+                  <a:schemeClr val="tx1">
+                    <a:lumMod val="65000"/>
+                    <a:lumOff val="35000"/>
+                  </a:schemeClr>
+                </a:solidFill>
+              </a:rPr>
+              <a:t>，这是最自然的技术选型</a:t>
+            </a:r>
+            <a:endParaRPr lang="zh-CN" altLang="en-US" dirty="0">
+              <a:solidFill>
+                <a:schemeClr val="tx1">
+                  <a:lumMod val="65000"/>
+                  <a:lumOff val="35000"/>
+                </a:schemeClr>
+              </a:solidFill>
+            </a:endParaRPr>
+          </a:p>
+        </p:txBody>
+      </p:sp>
     </p:spTree>
   </p:cSld>
   <p:clrMapOvr>

--- a/doc/01 战略/PSI技术战略.pptx
+++ b/doc/01 战略/PSI技术战略.pptx
@@ -6279,7 +6279,7 @@
         </p:nvGraphicFramePr>
         <p:xfrm>
           <a:off x="762016" y="2115816"/>
-          <a:ext cx="6096000" cy="2296160"/>
+          <a:ext cx="7596198" cy="2844800"/>
         </p:xfrm>
         <a:graphic>
           <a:graphicData uri="http://schemas.openxmlformats.org/drawingml/2006/table">
@@ -6288,8 +6288,8 @@
                 <a:tableStyleId>{5C22544A-7EE6-4342-B048-85BDC9FD1C3A}</a:tableStyleId>
               </a:tblPr>
               <a:tblGrid>
-                <a:gridCol w="1881158"/>
-                <a:gridCol w="4214842"/>
+                <a:gridCol w="2344102"/>
+                <a:gridCol w="5252096"/>
               </a:tblGrid>
               <a:tr h="370840">
                 <a:tc>
@@ -6427,7 +6427,37 @@
                       </a:r>
                       <a:r>
                         <a:rPr lang="zh-CN" altLang="en-US" dirty="0" smtClean="0"/>
-                        <a:t>业务本身的复杂性导致了这部分具有天然的高复杂度</a:t>
+                        <a:t>业务本身的复杂性导致了这部分具有天然的高复杂</a:t>
+                      </a:r>
+                      <a:r>
+                        <a:rPr lang="zh-CN" altLang="en-US" dirty="0" smtClean="0"/>
+                        <a:t>度</a:t>
+                      </a:r>
+                      <a:endParaRPr lang="en-US" altLang="zh-CN" dirty="0" smtClean="0"/>
+                    </a:p>
+                    <a:p>
+                      <a:endParaRPr lang="en-US" altLang="zh-CN" dirty="0" smtClean="0"/>
+                    </a:p>
+                    <a:p>
+                      <a:r>
+                        <a:rPr lang="zh-CN" altLang="en-US" dirty="0" smtClean="0"/>
+                        <a:t>对于大数据量，采用</a:t>
+                      </a:r>
+                      <a:r>
+                        <a:rPr lang="en-US" altLang="zh-CN" dirty="0" err="1" smtClean="0"/>
+                        <a:t>PingCAP</a:t>
+                      </a:r>
+                      <a:r>
+                        <a:rPr lang="zh-CN" altLang="en-US" dirty="0" smtClean="0"/>
+                        <a:t>、</a:t>
+                      </a:r>
+                      <a:r>
+                        <a:rPr lang="en-US" altLang="zh-CN" dirty="0" err="1" smtClean="0"/>
+                        <a:t>OceanBase</a:t>
+                      </a:r>
+                      <a:r>
+                        <a:rPr lang="zh-CN" altLang="en-US" dirty="0" smtClean="0"/>
+                        <a:t>等新型分布式数据库来解决。</a:t>
                       </a:r>
                       <a:endParaRPr lang="zh-CN" altLang="en-US" dirty="0"/>
                     </a:p>
@@ -6447,7 +6477,7 @@
         </p:nvSpPr>
         <p:spPr>
           <a:xfrm>
-            <a:off x="785786" y="4643446"/>
+            <a:off x="785786" y="5143512"/>
             <a:ext cx="7786742" cy="646331"/>
           </a:xfrm>
           <a:prstGeom prst="rect">

--- a/doc/01 战略/PSI技术战略.pptx
+++ b/doc/01 战略/PSI技术战略.pptx
@@ -5974,7 +5974,7 @@
         <p:spPr>
           <a:xfrm>
             <a:off x="785786" y="3929066"/>
-            <a:ext cx="7500990" cy="646331"/>
+            <a:ext cx="7500990" cy="1200329"/>
           </a:xfrm>
           <a:prstGeom prst="rect">
             <a:avLst/>
@@ -6084,9 +6084,20 @@
                   </a:schemeClr>
                 </a:solidFill>
               </a:rPr>
-              <a:t>，这是最自然的技术选型</a:t>
-            </a:r>
-            <a:endParaRPr lang="zh-CN" altLang="en-US" dirty="0">
+              <a:t>，这是最自然的技术</a:t>
+            </a:r>
+            <a:r>
+              <a:rPr lang="zh-CN" altLang="en-US" dirty="0" smtClean="0">
+                <a:solidFill>
+                  <a:schemeClr val="tx1">
+                    <a:lumMod val="65000"/>
+                    <a:lumOff val="35000"/>
+                  </a:schemeClr>
+                </a:solidFill>
+              </a:rPr>
+              <a:t>选型</a:t>
+            </a:r>
+            <a:endParaRPr lang="en-US" altLang="zh-CN" dirty="0" smtClean="0">
               <a:solidFill>
                 <a:schemeClr val="tx1">
                   <a:lumMod val="65000"/>
@@ -6094,6 +6105,84 @@
                 </a:schemeClr>
               </a:solidFill>
             </a:endParaRPr>
+          </a:p>
+          <a:p>
+            <a:endParaRPr lang="en-US" altLang="zh-CN" dirty="0" smtClean="0">
+              <a:solidFill>
+                <a:schemeClr val="tx1">
+                  <a:lumMod val="65000"/>
+                  <a:lumOff val="35000"/>
+                </a:schemeClr>
+              </a:solidFill>
+            </a:endParaRPr>
+          </a:p>
+          <a:p>
+            <a:r>
+              <a:rPr lang="zh-CN" altLang="en-US" dirty="0" smtClean="0">
+                <a:solidFill>
+                  <a:schemeClr val="tx1">
+                    <a:lumMod val="65000"/>
+                    <a:lumOff val="35000"/>
+                  </a:schemeClr>
+                </a:solidFill>
+              </a:rPr>
+              <a:t>标准的</a:t>
+            </a:r>
+            <a:r>
+              <a:rPr lang="en-US" altLang="zh-CN" dirty="0" smtClean="0">
+                <a:solidFill>
+                  <a:schemeClr val="tx1">
+                    <a:lumMod val="65000"/>
+                    <a:lumOff val="35000"/>
+                  </a:schemeClr>
+                </a:solidFill>
+              </a:rPr>
+              <a:t>LAMP</a:t>
+            </a:r>
+            <a:r>
+              <a:rPr lang="zh-CN" altLang="en-US" dirty="0" smtClean="0">
+                <a:solidFill>
+                  <a:schemeClr val="tx1">
+                    <a:lumMod val="65000"/>
+                    <a:lumOff val="35000"/>
+                  </a:schemeClr>
+                </a:solidFill>
+              </a:rPr>
+              <a:t>架构：</a:t>
+            </a:r>
+            <a:r>
+              <a:rPr lang="en-US" altLang="zh-CN" dirty="0" smtClean="0">
+                <a:solidFill>
+                  <a:schemeClr val="tx1">
+                    <a:lumMod val="65000"/>
+                    <a:lumOff val="35000"/>
+                  </a:schemeClr>
+                </a:solidFill>
+              </a:rPr>
+              <a:t>Linux – Apache – </a:t>
+            </a:r>
+            <a:r>
+              <a:rPr lang="en-US" altLang="zh-CN" dirty="0" err="1" smtClean="0">
+                <a:solidFill>
+                  <a:schemeClr val="tx1">
+                    <a:lumMod val="65000"/>
+                    <a:lumOff val="35000"/>
+                  </a:schemeClr>
+                </a:solidFill>
+              </a:rPr>
+              <a:t>MySQL</a:t>
+            </a:r>
+            <a:r>
+              <a:rPr lang="en-US" altLang="zh-CN" dirty="0" smtClean="0">
+                <a:solidFill>
+                  <a:schemeClr val="tx1">
+                    <a:lumMod val="65000"/>
+                    <a:lumOff val="35000"/>
+                  </a:schemeClr>
+                </a:solidFill>
+              </a:rPr>
+              <a:t> – PHP</a:t>
+            </a:r>
           </a:p>
         </p:txBody>
       </p:sp>
@@ -6427,11 +6516,7 @@
                       </a:r>
                       <a:r>
                         <a:rPr lang="zh-CN" altLang="en-US" dirty="0" smtClean="0"/>
-                        <a:t>业务本身的复杂性导致了这部分具有天然的高复杂</a:t>
-                      </a:r>
-                      <a:r>
-                        <a:rPr lang="zh-CN" altLang="en-US" dirty="0" smtClean="0"/>
-                        <a:t>度</a:t>
+                        <a:t>业务本身的复杂性导致了这部分具有天然的高复杂度</a:t>
                       </a:r>
                       <a:endParaRPr lang="en-US" altLang="zh-CN" dirty="0" smtClean="0"/>
                     </a:p>

--- a/doc/01 战略/PSI技术战略.pptx
+++ b/doc/01 战略/PSI技术战略.pptx
@@ -6084,18 +6084,7 @@
                   </a:schemeClr>
                 </a:solidFill>
               </a:rPr>
-              <a:t>，这是最自然的技术</a:t>
-            </a:r>
-            <a:r>
-              <a:rPr lang="zh-CN" altLang="en-US" dirty="0" smtClean="0">
-                <a:solidFill>
-                  <a:schemeClr val="tx1">
-                    <a:lumMod val="65000"/>
-                    <a:lumOff val="35000"/>
-                  </a:schemeClr>
-                </a:solidFill>
-              </a:rPr>
-              <a:t>选型</a:t>
+              <a:t>，这是最自然的技术选型</a:t>
             </a:r>
             <a:endParaRPr lang="en-US" altLang="zh-CN" dirty="0" smtClean="0">
               <a:solidFill>
@@ -6827,8 +6816,8 @@
           <p:nvPr/>
         </p:nvGraphicFramePr>
         <p:xfrm>
-          <a:off x="762016" y="2115816"/>
-          <a:ext cx="6096000" cy="2291080"/>
+          <a:off x="762016" y="1928802"/>
+          <a:ext cx="7810512" cy="2021840"/>
         </p:xfrm>
         <a:graphic>
           <a:graphicData uri="http://schemas.openxmlformats.org/drawingml/2006/table">
@@ -6837,8 +6826,8 @@
                 <a:tableStyleId>{5C22544A-7EE6-4342-B048-85BDC9FD1C3A}</a:tableStyleId>
               </a:tblPr>
               <a:tblGrid>
-                <a:gridCol w="1881158"/>
-                <a:gridCol w="4214842"/>
+                <a:gridCol w="2410237"/>
+                <a:gridCol w="5400275"/>
               </a:tblGrid>
               <a:tr h="370840">
                 <a:tc>
@@ -6861,7 +6850,7 @@
                     <a:bodyPr/>
                     <a:lstStyle/>
                     <a:p>
-                      <a:endParaRPr lang="zh-CN" altLang="en-US"/>
+                      <a:endParaRPr lang="zh-CN" altLang="en-US" dirty="0"/>
                     </a:p>
                   </a:txBody>
                   <a:tcPr/>
@@ -7012,8 +7001,8 @@
         </p:nvSpPr>
         <p:spPr>
           <a:xfrm>
-            <a:off x="714348" y="4500570"/>
-            <a:ext cx="7858180" cy="1200329"/>
+            <a:off x="785786" y="3969443"/>
+            <a:ext cx="8143932" cy="2031325"/>
           </a:xfrm>
           <a:prstGeom prst="rect">
             <a:avLst/>
@@ -7027,37 +7016,239 @@
           <a:lstStyle/>
           <a:p>
             <a:r>
-              <a:rPr lang="en-US" altLang="zh-CN" dirty="0" smtClean="0"/>
+              <a:rPr lang="en-US" altLang="zh-CN" dirty="0" smtClean="0">
+                <a:solidFill>
+                  <a:schemeClr val="tx1">
+                    <a:lumMod val="65000"/>
+                    <a:lumOff val="35000"/>
+                  </a:schemeClr>
+                </a:solidFill>
+              </a:rPr>
               <a:t>PHP</a:t>
             </a:r>
             <a:r>
-              <a:rPr lang="zh-CN" altLang="en-US" dirty="0" smtClean="0"/>
-              <a:t>和</a:t>
-            </a:r>
-            <a:r>
-              <a:rPr lang="en-US" altLang="zh-CN" dirty="0" smtClean="0"/>
+              <a:rPr lang="zh-CN" altLang="en-US" dirty="0" smtClean="0">
+                <a:solidFill>
+                  <a:schemeClr val="tx1">
+                    <a:lumMod val="65000"/>
+                    <a:lumOff val="35000"/>
+                  </a:schemeClr>
+                </a:solidFill>
+              </a:rPr>
+              <a:t>框架和</a:t>
+            </a:r>
+            <a:r>
+              <a:rPr lang="en-US" altLang="zh-CN" dirty="0" smtClean="0">
+                <a:solidFill>
+                  <a:schemeClr val="tx1">
+                    <a:lumMod val="65000"/>
+                    <a:lumOff val="35000"/>
+                  </a:schemeClr>
+                </a:solidFill>
+              </a:rPr>
               <a:t>JS</a:t>
             </a:r>
             <a:r>
-              <a:rPr lang="zh-CN" altLang="en-US" dirty="0" smtClean="0"/>
-              <a:t>框架使用旧的原厂不再维护的版本，是一个极其重要的技术战略。</a:t>
-            </a:r>
-            <a:endParaRPr lang="en-US" altLang="zh-CN" dirty="0" smtClean="0"/>
-          </a:p>
-          <a:p>
-            <a:r>
-              <a:rPr lang="zh-CN" altLang="en-US" dirty="0" smtClean="0"/>
-              <a:t>其维护工作转移到艾格林门内部来，这有助于完全掌握其技术实现。也把外部的知识资产变成了艾格林门的自有知识资产，并进一步通过</a:t>
-            </a:r>
-            <a:r>
-              <a:rPr lang="en-US" altLang="zh-CN" dirty="0" smtClean="0"/>
+              <a:rPr lang="zh-CN" altLang="en-US" dirty="0" smtClean="0">
+                <a:solidFill>
+                  <a:schemeClr val="tx1">
+                    <a:lumMod val="65000"/>
+                    <a:lumOff val="35000"/>
+                  </a:schemeClr>
+                </a:solidFill>
+              </a:rPr>
+              <a:t>框架使用旧的原厂不再维护的版本，是一个极其重要的技术战略</a:t>
+            </a:r>
+            <a:r>
+              <a:rPr lang="zh-CN" altLang="en-US" dirty="0" smtClean="0">
+                <a:solidFill>
+                  <a:schemeClr val="tx1">
+                    <a:lumMod val="65000"/>
+                    <a:lumOff val="35000"/>
+                  </a:schemeClr>
+                </a:solidFill>
+              </a:rPr>
+              <a:t>。</a:t>
+            </a:r>
+            <a:endParaRPr lang="en-US" altLang="zh-CN" dirty="0" smtClean="0">
+              <a:solidFill>
+                <a:schemeClr val="tx1">
+                  <a:lumMod val="65000"/>
+                  <a:lumOff val="35000"/>
+                </a:schemeClr>
+              </a:solidFill>
+            </a:endParaRPr>
+          </a:p>
+          <a:p>
+            <a:endParaRPr lang="en-US" altLang="zh-CN" dirty="0" smtClean="0">
+              <a:solidFill>
+                <a:schemeClr val="tx1">
+                  <a:lumMod val="65000"/>
+                  <a:lumOff val="35000"/>
+                </a:schemeClr>
+              </a:solidFill>
+            </a:endParaRPr>
+          </a:p>
+          <a:p>
+            <a:r>
+              <a:rPr lang="zh-CN" altLang="en-US" dirty="0" smtClean="0">
+                <a:solidFill>
+                  <a:schemeClr val="tx1">
+                    <a:lumMod val="65000"/>
+                    <a:lumOff val="35000"/>
+                  </a:schemeClr>
+                </a:solidFill>
+              </a:rPr>
+              <a:t>其维护工作转移到艾格林门内部来，这</a:t>
+            </a:r>
+            <a:r>
+              <a:rPr lang="zh-CN" altLang="en-US" dirty="0" smtClean="0">
+                <a:solidFill>
+                  <a:schemeClr val="tx1">
+                    <a:lumMod val="65000"/>
+                    <a:lumOff val="35000"/>
+                  </a:schemeClr>
+                </a:solidFill>
+              </a:rPr>
+              <a:t>有助于艾格林门完全</a:t>
+            </a:r>
+            <a:r>
+              <a:rPr lang="zh-CN" altLang="en-US" dirty="0" smtClean="0">
+                <a:solidFill>
+                  <a:schemeClr val="tx1">
+                    <a:lumMod val="65000"/>
+                    <a:lumOff val="35000"/>
+                  </a:schemeClr>
+                </a:solidFill>
+              </a:rPr>
+              <a:t>掌握其技术实现</a:t>
+            </a:r>
+            <a:r>
+              <a:rPr lang="zh-CN" altLang="en-US" dirty="0" smtClean="0">
+                <a:solidFill>
+                  <a:schemeClr val="tx1">
+                    <a:lumMod val="65000"/>
+                    <a:lumOff val="35000"/>
+                  </a:schemeClr>
+                </a:solidFill>
+              </a:rPr>
+              <a:t>。</a:t>
+            </a:r>
+            <a:endParaRPr lang="en-US" altLang="zh-CN" dirty="0" smtClean="0">
+              <a:solidFill>
+                <a:schemeClr val="tx1">
+                  <a:lumMod val="65000"/>
+                  <a:lumOff val="35000"/>
+                </a:schemeClr>
+              </a:solidFill>
+            </a:endParaRPr>
+          </a:p>
+          <a:p>
+            <a:r>
+              <a:rPr lang="zh-CN" altLang="en-US" dirty="0" smtClean="0">
+                <a:solidFill>
+                  <a:schemeClr val="tx1">
+                    <a:lumMod val="65000"/>
+                    <a:lumOff val="35000"/>
+                  </a:schemeClr>
+                </a:solidFill>
+              </a:rPr>
+              <a:t>也</a:t>
+            </a:r>
+            <a:r>
+              <a:rPr lang="zh-CN" altLang="en-US" dirty="0" smtClean="0">
+                <a:solidFill>
+                  <a:schemeClr val="tx1">
+                    <a:lumMod val="65000"/>
+                    <a:lumOff val="35000"/>
+                  </a:schemeClr>
+                </a:solidFill>
+              </a:rPr>
+              <a:t>把外部的知识资产变成了艾格林门的自有知识资产，并进一步通过</a:t>
+            </a:r>
+            <a:r>
+              <a:rPr lang="en-US" altLang="zh-CN" dirty="0" smtClean="0">
+                <a:solidFill>
+                  <a:schemeClr val="tx1">
+                    <a:lumMod val="65000"/>
+                    <a:lumOff val="35000"/>
+                  </a:schemeClr>
+                </a:solidFill>
+              </a:rPr>
               <a:t>PSI</a:t>
             </a:r>
             <a:r>
-              <a:rPr lang="zh-CN" altLang="en-US" dirty="0" smtClean="0"/>
-              <a:t>产品输出反馈给社区</a:t>
-            </a:r>
-            <a:endParaRPr lang="zh-CN" altLang="en-US" dirty="0"/>
+              <a:rPr lang="zh-CN" altLang="en-US" dirty="0" smtClean="0">
+                <a:solidFill>
+                  <a:schemeClr val="tx1">
+                    <a:lumMod val="65000"/>
+                    <a:lumOff val="35000"/>
+                  </a:schemeClr>
+                </a:solidFill>
+              </a:rPr>
+              <a:t>产品输出反馈给</a:t>
+            </a:r>
+            <a:r>
+              <a:rPr lang="zh-CN" altLang="en-US" dirty="0" smtClean="0">
+                <a:solidFill>
+                  <a:schemeClr val="tx1">
+                    <a:lumMod val="65000"/>
+                    <a:lumOff val="35000"/>
+                  </a:schemeClr>
+                </a:solidFill>
+              </a:rPr>
+              <a:t>社区</a:t>
+            </a:r>
+            <a:r>
+              <a:rPr lang="zh-CN" altLang="en-US" dirty="0" smtClean="0">
+                <a:solidFill>
+                  <a:schemeClr val="tx1">
+                    <a:lumMod val="65000"/>
+                    <a:lumOff val="35000"/>
+                  </a:schemeClr>
+                </a:solidFill>
+              </a:rPr>
+              <a:t>。</a:t>
+            </a:r>
+            <a:endParaRPr lang="en-US" altLang="zh-CN" dirty="0" smtClean="0">
+              <a:solidFill>
+                <a:schemeClr val="tx1">
+                  <a:lumMod val="65000"/>
+                  <a:lumOff val="35000"/>
+                </a:schemeClr>
+              </a:solidFill>
+            </a:endParaRPr>
+          </a:p>
+          <a:p>
+            <a:endParaRPr lang="en-US" altLang="zh-CN" dirty="0" smtClean="0">
+              <a:solidFill>
+                <a:schemeClr val="tx1">
+                  <a:lumMod val="65000"/>
+                  <a:lumOff val="35000"/>
+                </a:schemeClr>
+              </a:solidFill>
+            </a:endParaRPr>
+          </a:p>
+          <a:p>
+            <a:r>
+              <a:rPr lang="zh-CN" altLang="en-US" dirty="0" smtClean="0">
+                <a:solidFill>
+                  <a:schemeClr val="tx1">
+                    <a:lumMod val="65000"/>
+                    <a:lumOff val="35000"/>
+                  </a:schemeClr>
+                </a:solidFill>
+              </a:rPr>
+              <a:t>持续的技术沉淀和积累是企业技术成长的原动力。</a:t>
+            </a:r>
+            <a:endParaRPr lang="zh-CN" altLang="en-US" dirty="0">
+              <a:solidFill>
+                <a:schemeClr val="tx1">
+                  <a:lumMod val="65000"/>
+                  <a:lumOff val="35000"/>
+                </a:schemeClr>
+              </a:solidFill>
+            </a:endParaRPr>
           </a:p>
         </p:txBody>
       </p:sp>

--- a/doc/01 战略/PSI技术战略.pptx
+++ b/doc/01 战略/PSI技术战略.pptx
@@ -7057,8 +7057,28 @@
                   </a:schemeClr>
                 </a:solidFill>
               </a:rPr>
-              <a:t>框架使用旧的原厂不再维护的版本，是一个极其重要的技术战略</a:t>
-            </a:r>
+              <a:t>框架使用旧的原厂不再维护的版本，是一个极其重要的技术战略。</a:t>
+            </a:r>
+            <a:endParaRPr lang="en-US" altLang="zh-CN" dirty="0" smtClean="0">
+              <a:solidFill>
+                <a:schemeClr val="tx1">
+                  <a:lumMod val="65000"/>
+                  <a:lumOff val="35000"/>
+                </a:schemeClr>
+              </a:solidFill>
+            </a:endParaRPr>
+          </a:p>
+          <a:p>
+            <a:endParaRPr lang="en-US" altLang="zh-CN" dirty="0" smtClean="0">
+              <a:solidFill>
+                <a:schemeClr val="tx1">
+                  <a:lumMod val="65000"/>
+                  <a:lumOff val="35000"/>
+                </a:schemeClr>
+              </a:solidFill>
+            </a:endParaRPr>
+          </a:p>
+          <a:p>
             <a:r>
               <a:rPr lang="zh-CN" altLang="en-US" dirty="0" smtClean="0">
                 <a:solidFill>
@@ -7068,7 +7088,7 @@
                   </a:schemeClr>
                 </a:solidFill>
               </a:rPr>
-              <a:t>。</a:t>
+              <a:t>其维护工作转移到艾格林门内部来，这有助于艾格林门完全掌握其技术实现。</a:t>
             </a:r>
             <a:endParaRPr lang="en-US" altLang="zh-CN" dirty="0" smtClean="0">
               <a:solidFill>
@@ -7080,16 +7100,6 @@
             </a:endParaRPr>
           </a:p>
           <a:p>
-            <a:endParaRPr lang="en-US" altLang="zh-CN" dirty="0" smtClean="0">
-              <a:solidFill>
-                <a:schemeClr val="tx1">
-                  <a:lumMod val="65000"/>
-                  <a:lumOff val="35000"/>
-                </a:schemeClr>
-              </a:solidFill>
-            </a:endParaRPr>
-          </a:p>
-          <a:p>
             <a:r>
               <a:rPr lang="zh-CN" altLang="en-US" dirty="0" smtClean="0">
                 <a:solidFill>
@@ -7099,72 +7109,7 @@
                   </a:schemeClr>
                 </a:solidFill>
               </a:rPr>
-              <a:t>其维护工作转移到艾格林门内部来，这</a:t>
-            </a:r>
-            <a:r>
-              <a:rPr lang="zh-CN" altLang="en-US" dirty="0" smtClean="0">
-                <a:solidFill>
-                  <a:schemeClr val="tx1">
-                    <a:lumMod val="65000"/>
-                    <a:lumOff val="35000"/>
-                  </a:schemeClr>
-                </a:solidFill>
-              </a:rPr>
-              <a:t>有助于艾格林门完全</a:t>
-            </a:r>
-            <a:r>
-              <a:rPr lang="zh-CN" altLang="en-US" dirty="0" smtClean="0">
-                <a:solidFill>
-                  <a:schemeClr val="tx1">
-                    <a:lumMod val="65000"/>
-                    <a:lumOff val="35000"/>
-                  </a:schemeClr>
-                </a:solidFill>
-              </a:rPr>
-              <a:t>掌握其技术实现</a:t>
-            </a:r>
-            <a:r>
-              <a:rPr lang="zh-CN" altLang="en-US" dirty="0" smtClean="0">
-                <a:solidFill>
-                  <a:schemeClr val="tx1">
-                    <a:lumMod val="65000"/>
-                    <a:lumOff val="35000"/>
-                  </a:schemeClr>
-                </a:solidFill>
-              </a:rPr>
-              <a:t>。</a:t>
-            </a:r>
-            <a:endParaRPr lang="en-US" altLang="zh-CN" dirty="0" smtClean="0">
-              <a:solidFill>
-                <a:schemeClr val="tx1">
-                  <a:lumMod val="65000"/>
-                  <a:lumOff val="35000"/>
-                </a:schemeClr>
-              </a:solidFill>
-            </a:endParaRPr>
-          </a:p>
-          <a:p>
-            <a:r>
-              <a:rPr lang="zh-CN" altLang="en-US" dirty="0" smtClean="0">
-                <a:solidFill>
-                  <a:schemeClr val="tx1">
-                    <a:lumMod val="65000"/>
-                    <a:lumOff val="35000"/>
-                  </a:schemeClr>
-                </a:solidFill>
-              </a:rPr>
-              <a:t>也</a:t>
-            </a:r>
-            <a:r>
-              <a:rPr lang="zh-CN" altLang="en-US" dirty="0" smtClean="0">
-                <a:solidFill>
-                  <a:schemeClr val="tx1">
-                    <a:lumMod val="65000"/>
-                    <a:lumOff val="35000"/>
-                  </a:schemeClr>
-                </a:solidFill>
-              </a:rPr>
-              <a:t>把外部的知识资产变成了艾格林门的自有知识资产，并进一步通过</a:t>
+              <a:t>也把外部的知识资产变成了艾格林门的自有知识资产，并进一步通过</a:t>
             </a:r>
             <a:r>
               <a:rPr lang="en-US" altLang="zh-CN" dirty="0" smtClean="0">
@@ -7186,8 +7131,28 @@
                   </a:schemeClr>
                 </a:solidFill>
               </a:rPr>
-              <a:t>产品输出反馈给</a:t>
-            </a:r>
+              <a:t>产品输出反馈给社区。</a:t>
+            </a:r>
+            <a:endParaRPr lang="en-US" altLang="zh-CN" dirty="0" smtClean="0">
+              <a:solidFill>
+                <a:schemeClr val="tx1">
+                  <a:lumMod val="65000"/>
+                  <a:lumOff val="35000"/>
+                </a:schemeClr>
+              </a:solidFill>
+            </a:endParaRPr>
+          </a:p>
+          <a:p>
+            <a:endParaRPr lang="en-US" altLang="zh-CN" dirty="0" smtClean="0">
+              <a:solidFill>
+                <a:schemeClr val="tx1">
+                  <a:lumMod val="65000"/>
+                  <a:lumOff val="35000"/>
+                </a:schemeClr>
+              </a:solidFill>
+            </a:endParaRPr>
+          </a:p>
+          <a:p>
             <a:r>
               <a:rPr lang="zh-CN" altLang="en-US" dirty="0" smtClean="0">
                 <a:solidFill>
@@ -7197,7 +7162,7 @@
                   </a:schemeClr>
                 </a:solidFill>
               </a:rPr>
-              <a:t>社区</a:t>
+              <a:t>持续的技术沉淀和积累是企业</a:t>
             </a:r>
             <a:r>
               <a:rPr lang="zh-CN" altLang="en-US" dirty="0" smtClean="0">
@@ -7208,28 +7173,8 @@
                   </a:schemeClr>
                 </a:solidFill>
               </a:rPr>
-              <a:t>。</a:t>
-            </a:r>
-            <a:endParaRPr lang="en-US" altLang="zh-CN" dirty="0" smtClean="0">
-              <a:solidFill>
-                <a:schemeClr val="tx1">
-                  <a:lumMod val="65000"/>
-                  <a:lumOff val="35000"/>
-                </a:schemeClr>
-              </a:solidFill>
-            </a:endParaRPr>
-          </a:p>
-          <a:p>
-            <a:endParaRPr lang="en-US" altLang="zh-CN" dirty="0" smtClean="0">
-              <a:solidFill>
-                <a:schemeClr val="tx1">
-                  <a:lumMod val="65000"/>
-                  <a:lumOff val="35000"/>
-                </a:schemeClr>
-              </a:solidFill>
-            </a:endParaRPr>
-          </a:p>
-          <a:p>
+              <a:t>技术能力成长</a:t>
+            </a:r>
             <a:r>
               <a:rPr lang="zh-CN" altLang="en-US" dirty="0" smtClean="0">
                 <a:solidFill>
@@ -7239,7 +7184,7 @@
                   </a:schemeClr>
                 </a:solidFill>
               </a:rPr>
-              <a:t>持续的技术沉淀和积累是企业技术成长的原动力。</a:t>
+              <a:t>的原动力。</a:t>
             </a:r>
             <a:endParaRPr lang="zh-CN" altLang="en-US" dirty="0">
               <a:solidFill>

--- a/doc/01 战略/PSI技术战略.pptx
+++ b/doc/01 战略/PSI技术战略.pptx
@@ -5974,7 +5974,7 @@
         <p:spPr>
           <a:xfrm>
             <a:off x="785786" y="3929066"/>
-            <a:ext cx="7500990" cy="1200329"/>
+            <a:ext cx="7500990" cy="1754326"/>
           </a:xfrm>
           <a:prstGeom prst="rect">
             <a:avLst/>
@@ -6170,8 +6170,50 @@
                   </a:schemeClr>
                 </a:solidFill>
               </a:rPr>
-              <a:t> – PHP</a:t>
-            </a:r>
+              <a:t> – </a:t>
+            </a:r>
+            <a:r>
+              <a:rPr lang="en-US" altLang="zh-CN" dirty="0" smtClean="0">
+                <a:solidFill>
+                  <a:schemeClr val="tx1">
+                    <a:lumMod val="65000"/>
+                    <a:lumOff val="35000"/>
+                  </a:schemeClr>
+                </a:solidFill>
+              </a:rPr>
+              <a:t>PHP</a:t>
+            </a:r>
+          </a:p>
+          <a:p>
+            <a:endParaRPr lang="en-US" altLang="zh-CN" dirty="0" smtClean="0">
+              <a:solidFill>
+                <a:schemeClr val="tx1">
+                  <a:lumMod val="65000"/>
+                  <a:lumOff val="35000"/>
+                </a:schemeClr>
+              </a:solidFill>
+            </a:endParaRPr>
+          </a:p>
+          <a:p>
+            <a:r>
+              <a:rPr lang="zh-CN" altLang="en-US" dirty="0" smtClean="0">
+                <a:solidFill>
+                  <a:schemeClr val="tx1">
+                    <a:lumMod val="65000"/>
+                    <a:lumOff val="35000"/>
+                  </a:schemeClr>
+                </a:solidFill>
+              </a:rPr>
+              <a:t>清醒认识到自身是小企业，用实用主义抵制那些看似高大上的技术诱惑</a:t>
+            </a:r>
+            <a:endParaRPr lang="en-US" altLang="zh-CN" dirty="0" smtClean="0">
+              <a:solidFill>
+                <a:schemeClr val="tx1">
+                  <a:lumMod val="65000"/>
+                  <a:lumOff val="35000"/>
+                </a:schemeClr>
+              </a:solidFill>
+            </a:endParaRPr>
           </a:p>
         </p:txBody>
       </p:sp>
@@ -7162,29 +7204,7 @@
                   </a:schemeClr>
                 </a:solidFill>
               </a:rPr>
-              <a:t>持续的技术沉淀和积累是企业</a:t>
-            </a:r>
-            <a:r>
-              <a:rPr lang="zh-CN" altLang="en-US" dirty="0" smtClean="0">
-                <a:solidFill>
-                  <a:schemeClr val="tx1">
-                    <a:lumMod val="65000"/>
-                    <a:lumOff val="35000"/>
-                  </a:schemeClr>
-                </a:solidFill>
-              </a:rPr>
-              <a:t>技术能力成长</a:t>
-            </a:r>
-            <a:r>
-              <a:rPr lang="zh-CN" altLang="en-US" dirty="0" smtClean="0">
-                <a:solidFill>
-                  <a:schemeClr val="tx1">
-                    <a:lumMod val="65000"/>
-                    <a:lumOff val="35000"/>
-                  </a:schemeClr>
-                </a:solidFill>
-              </a:rPr>
-              <a:t>的原动力。</a:t>
+              <a:t>持续的技术沉淀和积累是企业技术能力成长的原动力。</a:t>
             </a:r>
             <a:endParaRPr lang="zh-CN" altLang="en-US" dirty="0">
               <a:solidFill>

--- a/doc/01 战略/PSI技术战略.pptx
+++ b/doc/01 战略/PSI技术战略.pptx
@@ -5,7 +5,7 @@
     <p:sldMasterId id="2147483828" r:id="rId1"/>
   </p:sldMasterIdLst>
   <p:notesMasterIdLst>
-    <p:notesMasterId r:id="rId7"/>
+    <p:notesMasterId r:id="rId8"/>
   </p:notesMasterIdLst>
   <p:sldIdLst>
     <p:sldId id="256" r:id="rId2"/>
@@ -13,6 +13,7 @@
     <p:sldId id="258" r:id="rId4"/>
     <p:sldId id="259" r:id="rId5"/>
     <p:sldId id="260" r:id="rId6"/>
+    <p:sldId id="261" r:id="rId7"/>
   </p:sldIdLst>
   <p:sldSz cx="9144000" cy="6858000" type="screen4x3"/>
   <p:notesSz cx="6858000" cy="9144000"/>
@@ -197,7 +198,7 @@
             <a:fld id="{8FA986AC-D63B-43BF-ABD5-894C9141EDE9}" type="datetimeFigureOut">
               <a:rPr lang="zh-CN" altLang="en-US" smtClean="0"/>
               <a:pPr/>
-              <a:t>2021/12/24</a:t>
+              <a:t>2021/12/30</a:t>
             </a:fld>
             <a:endParaRPr lang="zh-CN" altLang="en-US"/>
           </a:p>
@@ -1171,7 +1172,7 @@
             <a:fld id="{D9C0AD90-9165-43E8-A10A-4FF9730CB16E}" type="datetime1">
               <a:rPr lang="zh-CN" altLang="en-US" smtClean="0"/>
               <a:pPr/>
-              <a:t>2021/12/24</a:t>
+              <a:t>2021/12/30</a:t>
             </a:fld>
             <a:endParaRPr lang="zh-CN" altLang="en-US"/>
           </a:p>
@@ -1373,7 +1374,7 @@
             <a:fld id="{B2A592CF-FF4A-4F6E-A234-CCA072EEF3DF}" type="datetime1">
               <a:rPr lang="zh-CN" altLang="en-US" smtClean="0"/>
               <a:pPr/>
-              <a:t>2021/12/24</a:t>
+              <a:t>2021/12/30</a:t>
             </a:fld>
             <a:endParaRPr lang="zh-CN" altLang="en-US"/>
           </a:p>
@@ -1564,7 +1565,7 @@
             <a:fld id="{AA4E759C-B875-417A-BF6A-F8802AC4C00B}" type="datetime1">
               <a:rPr lang="zh-CN" altLang="en-US" smtClean="0"/>
               <a:pPr/>
-              <a:t>2021/12/24</a:t>
+              <a:t>2021/12/30</a:t>
             </a:fld>
             <a:endParaRPr lang="zh-CN" altLang="en-US"/>
           </a:p>
@@ -1720,7 +1721,7 @@
             <a:fld id="{A2656E4D-8D4F-43EB-A380-C4E464EE22F0}" type="datetime1">
               <a:rPr lang="zh-CN" altLang="en-US" smtClean="0"/>
               <a:pPr/>
-              <a:t>2021/12/24</a:t>
+              <a:t>2021/12/30</a:t>
             </a:fld>
             <a:endParaRPr lang="zh-CN" altLang="en-US"/>
           </a:p>
@@ -1981,7 +1982,7 @@
             <a:fld id="{F245BFB9-2071-4A7E-8C93-BFD38CF24DF5}" type="datetime1">
               <a:rPr lang="zh-CN" altLang="en-US" smtClean="0"/>
               <a:pPr/>
-              <a:t>2021/12/24</a:t>
+              <a:t>2021/12/30</a:t>
             </a:fld>
             <a:endParaRPr lang="zh-CN" altLang="en-US"/>
           </a:p>
@@ -2396,7 +2397,7 @@
             <a:fld id="{64D81E65-76C3-4B8F-B96A-2E61B4980E51}" type="datetime1">
               <a:rPr lang="zh-CN" altLang="en-US" smtClean="0"/>
               <a:pPr/>
-              <a:t>2021/12/24</a:t>
+              <a:t>2021/12/30</a:t>
             </a:fld>
             <a:endParaRPr lang="zh-CN" altLang="en-US"/>
           </a:p>
@@ -2848,7 +2849,7 @@
             <a:fld id="{A04DB415-D56C-49B3-8D96-548B13A44BFC}" type="datetime1">
               <a:rPr lang="zh-CN" altLang="en-US" smtClean="0"/>
               <a:pPr/>
-              <a:t>2021/12/24</a:t>
+              <a:t>2021/12/30</a:t>
             </a:fld>
             <a:endParaRPr lang="zh-CN" altLang="en-US"/>
           </a:p>
@@ -2955,7 +2956,7 @@
             <a:fld id="{4BDAA57E-8309-4976-B392-95B5409AE8ED}" type="datetime1">
               <a:rPr lang="zh-CN" altLang="en-US" smtClean="0"/>
               <a:pPr/>
-              <a:t>2021/12/24</a:t>
+              <a:t>2021/12/30</a:t>
             </a:fld>
             <a:endParaRPr lang="zh-CN" altLang="en-US"/>
           </a:p>
@@ -3082,7 +3083,7 @@
             <a:fld id="{D8172D9A-FDDF-48AB-9CB0-3052958E5A68}" type="datetime1">
               <a:rPr lang="zh-CN" altLang="en-US" smtClean="0"/>
               <a:pPr/>
-              <a:t>2021/12/24</a:t>
+              <a:t>2021/12/30</a:t>
             </a:fld>
             <a:endParaRPr lang="zh-CN" altLang="en-US"/>
           </a:p>
@@ -3362,7 +3363,7 @@
             <a:fld id="{5FF78D67-6F34-443F-A98A-70AB8D8162FC}" type="datetime1">
               <a:rPr lang="zh-CN" altLang="en-US" smtClean="0"/>
               <a:pPr/>
-              <a:t>2021/12/24</a:t>
+              <a:t>2021/12/30</a:t>
             </a:fld>
             <a:endParaRPr lang="zh-CN" altLang="en-US"/>
           </a:p>
@@ -3573,7 +3574,7 @@
             <a:fld id="{B6D472FA-25B0-487A-952A-C1DD7DC97A68}" type="datetime1">
               <a:rPr lang="zh-CN" altLang="en-US" smtClean="0"/>
               <a:pPr/>
-              <a:t>2021/12/24</a:t>
+              <a:t>2021/12/30</a:t>
             </a:fld>
             <a:endParaRPr lang="zh-CN" altLang="en-US"/>
           </a:p>
@@ -4688,7 +4689,7 @@
             <a:fld id="{C4ADAF56-E7AE-4D4A-9758-8A933FDB32C7}" type="datetime1">
               <a:rPr lang="zh-CN" altLang="en-US" smtClean="0"/>
               <a:pPr/>
-              <a:t>2021/12/24</a:t>
+              <a:t>2021/12/30</a:t>
             </a:fld>
             <a:endParaRPr lang="zh-CN" altLang="en-US"/>
           </a:p>
@@ -6170,18 +6171,7 @@
                   </a:schemeClr>
                 </a:solidFill>
               </a:rPr>
-              <a:t> – </a:t>
-            </a:r>
-            <a:r>
-              <a:rPr lang="en-US" altLang="zh-CN" dirty="0" smtClean="0">
-                <a:solidFill>
-                  <a:schemeClr val="tx1">
-                    <a:lumMod val="65000"/>
-                    <a:lumOff val="35000"/>
-                  </a:schemeClr>
-                </a:solidFill>
-              </a:rPr>
-              <a:t>PHP</a:t>
+              <a:t> – PHP</a:t>
             </a:r>
           </a:p>
           <a:p>
@@ -7229,6 +7219,315 @@
       </p:par>
     </p:tnLst>
   </p:timing>
+</p:sld>
+</file>
+
+<file path=ppt/slides/slide6.xml><?xml version="1.0" encoding="utf-8"?>
+<p:sld xmlns:a="http://schemas.openxmlformats.org/drawingml/2006/main" xmlns:r="http://schemas.openxmlformats.org/officeDocument/2006/relationships" xmlns:p="http://schemas.openxmlformats.org/presentationml/2006/main">
+  <p:cSld>
+    <p:spTree>
+      <p:nvGrpSpPr>
+        <p:cNvPr id="1" name=""/>
+        <p:cNvGrpSpPr/>
+        <p:nvPr/>
+      </p:nvGrpSpPr>
+      <p:grpSpPr>
+        <a:xfrm>
+          <a:off x="0" y="0"/>
+          <a:ext cx="0" cy="0"/>
+          <a:chOff x="0" y="0"/>
+          <a:chExt cx="0" cy="0"/>
+        </a:xfrm>
+      </p:grpSpPr>
+      <p:sp>
+        <p:nvSpPr>
+          <p:cNvPr id="2" name="内容占位符 1"/>
+          <p:cNvSpPr>
+            <a:spLocks noGrp="1"/>
+          </p:cNvSpPr>
+          <p:nvPr>
+            <p:ph idx="1"/>
+          </p:nvPr>
+        </p:nvSpPr>
+        <p:spPr/>
+        <p:txBody>
+          <a:bodyPr/>
+          <a:lstStyle/>
+          <a:p>
+            <a:pPr>
+              <a:buNone/>
+            </a:pPr>
+            <a:r>
+              <a:rPr lang="en-US" altLang="zh-CN" dirty="0" smtClean="0"/>
+              <a:t>PSI </a:t>
+            </a:r>
+            <a:r>
+              <a:rPr lang="en-US" altLang="zh-CN" b="1" dirty="0" smtClean="0">
+                <a:solidFill>
+                  <a:srgbClr val="C00000"/>
+                </a:solidFill>
+              </a:rPr>
+              <a:t>N</a:t>
+            </a:r>
+            <a:r>
+              <a:rPr lang="en-US" altLang="zh-CN" dirty="0" smtClean="0"/>
+              <a:t>ew </a:t>
+            </a:r>
+            <a:r>
+              <a:rPr lang="en-US" altLang="zh-CN" b="1" dirty="0" smtClean="0">
+                <a:solidFill>
+                  <a:srgbClr val="C00000"/>
+                </a:solidFill>
+              </a:rPr>
+              <a:t>G</a:t>
+            </a:r>
+            <a:r>
+              <a:rPr lang="en-US" altLang="zh-CN" dirty="0" smtClean="0"/>
+              <a:t>eneration</a:t>
+            </a:r>
+          </a:p>
+          <a:p>
+            <a:pPr>
+              <a:buNone/>
+            </a:pPr>
+            <a:r>
+              <a:rPr lang="zh-CN" altLang="en-US" dirty="0" smtClean="0"/>
+              <a:t>着眼</a:t>
+            </a:r>
+            <a:r>
+              <a:rPr lang="zh-CN" altLang="en-US" dirty="0" smtClean="0"/>
+              <a:t>于未来的技术预研战略</a:t>
+            </a:r>
+            <a:endParaRPr lang="en-US" altLang="zh-CN" dirty="0" smtClean="0"/>
+          </a:p>
+          <a:p>
+            <a:pPr marL="624078" indent="-514350">
+              <a:buFont typeface="+mj-lt"/>
+              <a:buAutoNum type="arabicPeriod"/>
+            </a:pPr>
+            <a:r>
+              <a:rPr lang="zh-CN" altLang="en-US" dirty="0" smtClean="0"/>
+              <a:t>围绕</a:t>
+            </a:r>
+            <a:r>
+              <a:rPr lang="zh-CN" altLang="en-US" dirty="0" smtClean="0"/>
+              <a:t>着</a:t>
+            </a:r>
+            <a:r>
+              <a:rPr lang="en-US" altLang="zh-CN" dirty="0" smtClean="0"/>
+              <a:t>PHP</a:t>
+            </a:r>
+            <a:r>
+              <a:rPr lang="zh-CN" altLang="en-US" dirty="0" smtClean="0"/>
+              <a:t>内核的技术预研</a:t>
+            </a:r>
+            <a:endParaRPr lang="en-US" altLang="zh-CN" dirty="0" smtClean="0"/>
+          </a:p>
+          <a:p>
+            <a:pPr marL="624078" indent="-514350">
+              <a:buFont typeface="+mj-lt"/>
+              <a:buAutoNum type="arabicPeriod"/>
+            </a:pPr>
+            <a:r>
+              <a:rPr lang="zh-CN" altLang="en-US" dirty="0" smtClean="0"/>
+              <a:t>围绕这</a:t>
+            </a:r>
+            <a:r>
+              <a:rPr lang="en-US" altLang="zh-CN" dirty="0" smtClean="0"/>
+              <a:t>JavaScript UI</a:t>
+            </a:r>
+            <a:r>
+              <a:rPr lang="zh-CN" altLang="en-US" dirty="0" smtClean="0"/>
+              <a:t>框架的技术预研</a:t>
+            </a:r>
+            <a:endParaRPr lang="en-US" altLang="zh-CN" dirty="0" smtClean="0"/>
+          </a:p>
+          <a:p>
+            <a:pPr marL="624078" indent="-514350">
+              <a:buFont typeface="+mj-lt"/>
+              <a:buAutoNum type="arabicPeriod"/>
+            </a:pPr>
+            <a:r>
+              <a:rPr lang="zh-CN" altLang="en-US" dirty="0" smtClean="0"/>
+              <a:t>移动</a:t>
+            </a:r>
+            <a:r>
+              <a:rPr lang="zh-CN" altLang="en-US" dirty="0" smtClean="0"/>
+              <a:t>端原生</a:t>
+            </a:r>
+            <a:r>
+              <a:rPr lang="en-US" altLang="zh-CN" dirty="0" smtClean="0"/>
+              <a:t>app</a:t>
+            </a:r>
+            <a:r>
+              <a:rPr lang="zh-CN" altLang="en-US" dirty="0" smtClean="0"/>
+              <a:t>的技术预研</a:t>
+            </a:r>
+            <a:endParaRPr lang="zh-CN" altLang="en-US" dirty="0"/>
+          </a:p>
+        </p:txBody>
+      </p:sp>
+      <p:sp>
+        <p:nvSpPr>
+          <p:cNvPr id="3" name="页脚占位符 2"/>
+          <p:cNvSpPr>
+            <a:spLocks noGrp="1"/>
+          </p:cNvSpPr>
+          <p:nvPr>
+            <p:ph type="ftr" sz="quarter" idx="11"/>
+          </p:nvPr>
+        </p:nvSpPr>
+        <p:spPr/>
+        <p:txBody>
+          <a:bodyPr/>
+          <a:lstStyle/>
+          <a:p>
+            <a:r>
+              <a:rPr lang="zh-CN" altLang="en-US" smtClean="0"/>
+              <a:t>艾格林门信息服务（大连）有限公司</a:t>
+            </a:r>
+            <a:endParaRPr lang="zh-CN" altLang="en-US"/>
+          </a:p>
+        </p:txBody>
+      </p:sp>
+      <p:sp>
+        <p:nvSpPr>
+          <p:cNvPr id="4" name="灯片编号占位符 3"/>
+          <p:cNvSpPr>
+            <a:spLocks noGrp="1"/>
+          </p:cNvSpPr>
+          <p:nvPr>
+            <p:ph type="sldNum" sz="quarter" idx="12"/>
+          </p:nvPr>
+        </p:nvSpPr>
+        <p:spPr/>
+        <p:txBody>
+          <a:bodyPr/>
+          <a:lstStyle/>
+          <a:p>
+            <a:fld id="{5B0C748D-342E-484C-99EF-D2112307895F}" type="slidenum">
+              <a:rPr lang="zh-CN" altLang="en-US" smtClean="0"/>
+              <a:pPr/>
+              <a:t>6</a:t>
+            </a:fld>
+            <a:endParaRPr lang="zh-CN" altLang="en-US"/>
+          </a:p>
+        </p:txBody>
+      </p:sp>
+      <p:sp>
+        <p:nvSpPr>
+          <p:cNvPr id="5" name="标题 4"/>
+          <p:cNvSpPr>
+            <a:spLocks noGrp="1"/>
+          </p:cNvSpPr>
+          <p:nvPr>
+            <p:ph type="title"/>
+          </p:nvPr>
+        </p:nvSpPr>
+        <p:spPr/>
+        <p:txBody>
+          <a:bodyPr/>
+          <a:lstStyle/>
+          <a:p>
+            <a:r>
+              <a:rPr lang="en-US" altLang="zh-CN" dirty="0" smtClean="0"/>
+              <a:t>PSI NG</a:t>
+            </a:r>
+            <a:endParaRPr lang="zh-CN" altLang="en-US" dirty="0"/>
+          </a:p>
+        </p:txBody>
+      </p:sp>
+      <p:sp>
+        <p:nvSpPr>
+          <p:cNvPr id="6" name="TextBox 5"/>
+          <p:cNvSpPr txBox="1"/>
+          <p:nvPr/>
+        </p:nvSpPr>
+        <p:spPr>
+          <a:xfrm>
+            <a:off x="714348" y="4357694"/>
+            <a:ext cx="4801314" cy="923330"/>
+          </a:xfrm>
+          <a:prstGeom prst="rect">
+            <a:avLst/>
+          </a:prstGeom>
+          <a:noFill/>
+        </p:spPr>
+        <p:txBody>
+          <a:bodyPr wrap="none" rtlCol="0">
+            <a:spAutoFit/>
+          </a:bodyPr>
+          <a:lstStyle/>
+          <a:p>
+            <a:r>
+              <a:rPr lang="zh-CN" altLang="en-US" dirty="0" smtClean="0">
+                <a:solidFill>
+                  <a:schemeClr val="tx1">
+                    <a:lumMod val="65000"/>
+                    <a:lumOff val="35000"/>
+                  </a:schemeClr>
+                </a:solidFill>
+              </a:rPr>
+              <a:t>当前的务实是为了商业利益；</a:t>
+            </a:r>
+            <a:endParaRPr lang="en-US" altLang="zh-CN" dirty="0" smtClean="0">
+              <a:solidFill>
+                <a:schemeClr val="tx1">
+                  <a:lumMod val="65000"/>
+                  <a:lumOff val="35000"/>
+                </a:schemeClr>
+              </a:solidFill>
+            </a:endParaRPr>
+          </a:p>
+          <a:p>
+            <a:r>
+              <a:rPr lang="zh-CN" altLang="en-US" dirty="0" smtClean="0">
+                <a:solidFill>
+                  <a:schemeClr val="tx1">
+                    <a:lumMod val="65000"/>
+                    <a:lumOff val="35000"/>
+                  </a:schemeClr>
+                </a:solidFill>
+              </a:rPr>
+              <a:t>商业利益是为了形成更深技术沉淀积累；</a:t>
+            </a:r>
+            <a:endParaRPr lang="en-US" altLang="zh-CN" dirty="0" smtClean="0">
+              <a:solidFill>
+                <a:schemeClr val="tx1">
+                  <a:lumMod val="65000"/>
+                  <a:lumOff val="35000"/>
+                </a:schemeClr>
+              </a:solidFill>
+            </a:endParaRPr>
+          </a:p>
+          <a:p>
+            <a:r>
+              <a:rPr lang="zh-CN" altLang="en-US" dirty="0" smtClean="0">
+                <a:solidFill>
+                  <a:schemeClr val="tx1">
+                    <a:lumMod val="65000"/>
+                    <a:lumOff val="35000"/>
+                  </a:schemeClr>
+                </a:solidFill>
+              </a:rPr>
+              <a:t>技术沉淀积累是为了进一步的扩大商业利益。</a:t>
+            </a:r>
+            <a:endParaRPr lang="zh-CN" altLang="en-US" dirty="0">
+              <a:solidFill>
+                <a:schemeClr val="tx1">
+                  <a:lumMod val="65000"/>
+                  <a:lumOff val="35000"/>
+                </a:schemeClr>
+              </a:solidFill>
+            </a:endParaRPr>
+          </a:p>
+        </p:txBody>
+      </p:sp>
+    </p:spTree>
+  </p:cSld>
+  <p:clrMapOvr>
+    <a:masterClrMapping/>
+  </p:clrMapOvr>
 </p:sld>
 </file>
 

--- a/doc/01 战略/PSI技术战略.pptx
+++ b/doc/01 战略/PSI技术战略.pptx
@@ -198,7 +198,7 @@
             <a:fld id="{8FA986AC-D63B-43BF-ABD5-894C9141EDE9}" type="datetimeFigureOut">
               <a:rPr lang="zh-CN" altLang="en-US" smtClean="0"/>
               <a:pPr/>
-              <a:t>2021/12/30</a:t>
+              <a:t>2022/2/17</a:t>
             </a:fld>
             <a:endParaRPr lang="zh-CN" altLang="en-US"/>
           </a:p>
@@ -1172,7 +1172,7 @@
             <a:fld id="{D9C0AD90-9165-43E8-A10A-4FF9730CB16E}" type="datetime1">
               <a:rPr lang="zh-CN" altLang="en-US" smtClean="0"/>
               <a:pPr/>
-              <a:t>2021/12/30</a:t>
+              <a:t>2022/2/17</a:t>
             </a:fld>
             <a:endParaRPr lang="zh-CN" altLang="en-US"/>
           </a:p>
@@ -1374,7 +1374,7 @@
             <a:fld id="{B2A592CF-FF4A-4F6E-A234-CCA072EEF3DF}" type="datetime1">
               <a:rPr lang="zh-CN" altLang="en-US" smtClean="0"/>
               <a:pPr/>
-              <a:t>2021/12/30</a:t>
+              <a:t>2022/2/17</a:t>
             </a:fld>
             <a:endParaRPr lang="zh-CN" altLang="en-US"/>
           </a:p>
@@ -1565,7 +1565,7 @@
             <a:fld id="{AA4E759C-B875-417A-BF6A-F8802AC4C00B}" type="datetime1">
               <a:rPr lang="zh-CN" altLang="en-US" smtClean="0"/>
               <a:pPr/>
-              <a:t>2021/12/30</a:t>
+              <a:t>2022/2/17</a:t>
             </a:fld>
             <a:endParaRPr lang="zh-CN" altLang="en-US"/>
           </a:p>
@@ -1721,7 +1721,7 @@
             <a:fld id="{A2656E4D-8D4F-43EB-A380-C4E464EE22F0}" type="datetime1">
               <a:rPr lang="zh-CN" altLang="en-US" smtClean="0"/>
               <a:pPr/>
-              <a:t>2021/12/30</a:t>
+              <a:t>2022/2/17</a:t>
             </a:fld>
             <a:endParaRPr lang="zh-CN" altLang="en-US"/>
           </a:p>
@@ -1982,7 +1982,7 @@
             <a:fld id="{F245BFB9-2071-4A7E-8C93-BFD38CF24DF5}" type="datetime1">
               <a:rPr lang="zh-CN" altLang="en-US" smtClean="0"/>
               <a:pPr/>
-              <a:t>2021/12/30</a:t>
+              <a:t>2022/2/17</a:t>
             </a:fld>
             <a:endParaRPr lang="zh-CN" altLang="en-US"/>
           </a:p>
@@ -2397,7 +2397,7 @@
             <a:fld id="{64D81E65-76C3-4B8F-B96A-2E61B4980E51}" type="datetime1">
               <a:rPr lang="zh-CN" altLang="en-US" smtClean="0"/>
               <a:pPr/>
-              <a:t>2021/12/30</a:t>
+              <a:t>2022/2/17</a:t>
             </a:fld>
             <a:endParaRPr lang="zh-CN" altLang="en-US"/>
           </a:p>
@@ -2849,7 +2849,7 @@
             <a:fld id="{A04DB415-D56C-49B3-8D96-548B13A44BFC}" type="datetime1">
               <a:rPr lang="zh-CN" altLang="en-US" smtClean="0"/>
               <a:pPr/>
-              <a:t>2021/12/30</a:t>
+              <a:t>2022/2/17</a:t>
             </a:fld>
             <a:endParaRPr lang="zh-CN" altLang="en-US"/>
           </a:p>
@@ -2956,7 +2956,7 @@
             <a:fld id="{4BDAA57E-8309-4976-B392-95B5409AE8ED}" type="datetime1">
               <a:rPr lang="zh-CN" altLang="en-US" smtClean="0"/>
               <a:pPr/>
-              <a:t>2021/12/30</a:t>
+              <a:t>2022/2/17</a:t>
             </a:fld>
             <a:endParaRPr lang="zh-CN" altLang="en-US"/>
           </a:p>
@@ -3083,7 +3083,7 @@
             <a:fld id="{D8172D9A-FDDF-48AB-9CB0-3052958E5A68}" type="datetime1">
               <a:rPr lang="zh-CN" altLang="en-US" smtClean="0"/>
               <a:pPr/>
-              <a:t>2021/12/30</a:t>
+              <a:t>2022/2/17</a:t>
             </a:fld>
             <a:endParaRPr lang="zh-CN" altLang="en-US"/>
           </a:p>
@@ -3363,7 +3363,7 @@
             <a:fld id="{5FF78D67-6F34-443F-A98A-70AB8D8162FC}" type="datetime1">
               <a:rPr lang="zh-CN" altLang="en-US" smtClean="0"/>
               <a:pPr/>
-              <a:t>2021/12/30</a:t>
+              <a:t>2022/2/17</a:t>
             </a:fld>
             <a:endParaRPr lang="zh-CN" altLang="en-US"/>
           </a:p>
@@ -3574,7 +3574,7 @@
             <a:fld id="{B6D472FA-25B0-487A-952A-C1DD7DC97A68}" type="datetime1">
               <a:rPr lang="zh-CN" altLang="en-US" smtClean="0"/>
               <a:pPr/>
-              <a:t>2021/12/30</a:t>
+              <a:t>2022/2/17</a:t>
             </a:fld>
             <a:endParaRPr lang="zh-CN" altLang="en-US"/>
           </a:p>
@@ -4689,7 +4689,7 @@
             <a:fld id="{C4ADAF56-E7AE-4D4A-9758-8A933FDB32C7}" type="datetime1">
               <a:rPr lang="zh-CN" altLang="en-US" smtClean="0"/>
               <a:pPr/>
-              <a:t>2021/12/30</a:t>
+              <a:t>2022/2/17</a:t>
             </a:fld>
             <a:endParaRPr lang="zh-CN" altLang="en-US"/>
           </a:p>
@@ -7292,11 +7292,7 @@
             </a:pPr>
             <a:r>
               <a:rPr lang="zh-CN" altLang="en-US" dirty="0" smtClean="0"/>
-              <a:t>着眼</a:t>
-            </a:r>
-            <a:r>
-              <a:rPr lang="zh-CN" altLang="en-US" dirty="0" smtClean="0"/>
-              <a:t>于未来的技术预研战略</a:t>
+              <a:t>着眼于未来的技术预研战略</a:t>
             </a:r>
             <a:endParaRPr lang="en-US" altLang="zh-CN" dirty="0" smtClean="0"/>
           </a:p>
@@ -7307,11 +7303,7 @@
             </a:pPr>
             <a:r>
               <a:rPr lang="zh-CN" altLang="en-US" dirty="0" smtClean="0"/>
-              <a:t>围绕</a:t>
-            </a:r>
-            <a:r>
-              <a:rPr lang="zh-CN" altLang="en-US" dirty="0" smtClean="0"/>
-              <a:t>着</a:t>
+              <a:t>围绕着</a:t>
             </a:r>
             <a:r>
               <a:rPr lang="en-US" altLang="zh-CN" dirty="0" smtClean="0"/>
@@ -7329,12 +7321,16 @@
               <a:buAutoNum type="arabicPeriod"/>
             </a:pPr>
             <a:r>
-              <a:rPr lang="zh-CN" altLang="en-US" dirty="0" smtClean="0"/>
-              <a:t>围绕这</a:t>
+              <a:rPr lang="zh-CN" altLang="en-US" smtClean="0"/>
+              <a:t>围绕着</a:t>
+            </a:r>
+            <a:r>
+              <a:rPr lang="en-US" altLang="zh-CN" smtClean="0"/>
+              <a:t>JavaScript </a:t>
             </a:r>
             <a:r>
               <a:rPr lang="en-US" altLang="zh-CN" dirty="0" smtClean="0"/>
-              <a:t>JavaScript UI</a:t>
+              <a:t>UI</a:t>
             </a:r>
             <a:r>
               <a:rPr lang="zh-CN" altLang="en-US" dirty="0" smtClean="0"/>
@@ -7349,11 +7345,7 @@
             </a:pPr>
             <a:r>
               <a:rPr lang="zh-CN" altLang="en-US" dirty="0" smtClean="0"/>
-              <a:t>移动</a:t>
-            </a:r>
-            <a:r>
-              <a:rPr lang="zh-CN" altLang="en-US" dirty="0" smtClean="0"/>
-              <a:t>端原生</a:t>
+              <a:t>移动端原生</a:t>
             </a:r>
             <a:r>
               <a:rPr lang="en-US" altLang="zh-CN" dirty="0" smtClean="0"/>
